--- a/assets.pptx
+++ b/assets.pptx
@@ -6,6 +6,7 @@
   </p:sldMasterIdLst>
   <p:sldIdLst>
     <p:sldId id="256" r:id="rId2"/>
+    <p:sldId id="257" r:id="rId3"/>
   </p:sldIdLst>
   <p:sldSz cx="12192000" cy="6858000"/>
   <p:notesSz cx="6858000" cy="9144000"/>
@@ -104,6 +105,11 @@
       </a:defRPr>
     </a:lvl9pPr>
   </p:defaultTextStyle>
+  <p:extLst>
+    <p:ext uri="{EFAFB233-063F-42B5-8137-9DF3F51BA10A}">
+      <p15:sldGuideLst xmlns:p15="http://schemas.microsoft.com/office/powerpoint/2012/main"/>
+    </p:ext>
+  </p:extLst>
 </p:presentation>
 </file>
 
@@ -254,7 +260,7 @@
           <a:p>
             <a:fld id="{E6CF916D-525A-4BF4-9D42-156FD815F44E}" type="datetimeFigureOut">
               <a:rPr lang="en-US" smtClean="0"/>
-              <a:t>6/2/2023</a:t>
+              <a:t>6/3/2023</a:t>
             </a:fld>
             <a:endParaRPr lang="en-US"/>
           </a:p>
@@ -452,7 +458,7 @@
           <a:p>
             <a:fld id="{E6CF916D-525A-4BF4-9D42-156FD815F44E}" type="datetimeFigureOut">
               <a:rPr lang="en-US" smtClean="0"/>
-              <a:t>6/2/2023</a:t>
+              <a:t>6/3/2023</a:t>
             </a:fld>
             <a:endParaRPr lang="en-US"/>
           </a:p>
@@ -660,7 +666,7 @@
           <a:p>
             <a:fld id="{E6CF916D-525A-4BF4-9D42-156FD815F44E}" type="datetimeFigureOut">
               <a:rPr lang="en-US" smtClean="0"/>
-              <a:t>6/2/2023</a:t>
+              <a:t>6/3/2023</a:t>
             </a:fld>
             <a:endParaRPr lang="en-US"/>
           </a:p>
@@ -858,7 +864,7 @@
           <a:p>
             <a:fld id="{E6CF916D-525A-4BF4-9D42-156FD815F44E}" type="datetimeFigureOut">
               <a:rPr lang="en-US" smtClean="0"/>
-              <a:t>6/2/2023</a:t>
+              <a:t>6/3/2023</a:t>
             </a:fld>
             <a:endParaRPr lang="en-US"/>
           </a:p>
@@ -1133,7 +1139,7 @@
           <a:p>
             <a:fld id="{E6CF916D-525A-4BF4-9D42-156FD815F44E}" type="datetimeFigureOut">
               <a:rPr lang="en-US" smtClean="0"/>
-              <a:t>6/2/2023</a:t>
+              <a:t>6/3/2023</a:t>
             </a:fld>
             <a:endParaRPr lang="en-US"/>
           </a:p>
@@ -1398,7 +1404,7 @@
           <a:p>
             <a:fld id="{E6CF916D-525A-4BF4-9D42-156FD815F44E}" type="datetimeFigureOut">
               <a:rPr lang="en-US" smtClean="0"/>
-              <a:t>6/2/2023</a:t>
+              <a:t>6/3/2023</a:t>
             </a:fld>
             <a:endParaRPr lang="en-US"/>
           </a:p>
@@ -1810,7 +1816,7 @@
           <a:p>
             <a:fld id="{E6CF916D-525A-4BF4-9D42-156FD815F44E}" type="datetimeFigureOut">
               <a:rPr lang="en-US" smtClean="0"/>
-              <a:t>6/2/2023</a:t>
+              <a:t>6/3/2023</a:t>
             </a:fld>
             <a:endParaRPr lang="en-US"/>
           </a:p>
@@ -1951,7 +1957,7 @@
           <a:p>
             <a:fld id="{E6CF916D-525A-4BF4-9D42-156FD815F44E}" type="datetimeFigureOut">
               <a:rPr lang="en-US" smtClean="0"/>
-              <a:t>6/2/2023</a:t>
+              <a:t>6/3/2023</a:t>
             </a:fld>
             <a:endParaRPr lang="en-US"/>
           </a:p>
@@ -2064,7 +2070,7 @@
           <a:p>
             <a:fld id="{E6CF916D-525A-4BF4-9D42-156FD815F44E}" type="datetimeFigureOut">
               <a:rPr lang="en-US" smtClean="0"/>
-              <a:t>6/2/2023</a:t>
+              <a:t>6/3/2023</a:t>
             </a:fld>
             <a:endParaRPr lang="en-US"/>
           </a:p>
@@ -2375,7 +2381,7 @@
           <a:p>
             <a:fld id="{E6CF916D-525A-4BF4-9D42-156FD815F44E}" type="datetimeFigureOut">
               <a:rPr lang="en-US" smtClean="0"/>
-              <a:t>6/2/2023</a:t>
+              <a:t>6/3/2023</a:t>
             </a:fld>
             <a:endParaRPr lang="en-US"/>
           </a:p>
@@ -2663,7 +2669,7 @@
           <a:p>
             <a:fld id="{E6CF916D-525A-4BF4-9D42-156FD815F44E}" type="datetimeFigureOut">
               <a:rPr lang="en-US" smtClean="0"/>
-              <a:t>6/2/2023</a:t>
+              <a:t>6/3/2023</a:t>
             </a:fld>
             <a:endParaRPr lang="en-US"/>
           </a:p>
@@ -2904,7 +2910,7 @@
           <a:p>
             <a:fld id="{E6CF916D-525A-4BF4-9D42-156FD815F44E}" type="datetimeFigureOut">
               <a:rPr lang="en-US" smtClean="0"/>
-              <a:t>6/2/2023</a:t>
+              <a:t>6/3/2023</a:t>
             </a:fld>
             <a:endParaRPr lang="en-US"/>
           </a:p>
@@ -4475,12 +4481,77 @@
           </a:p>
         </p:txBody>
       </p:sp>
+      <p:sp>
+        <p:nvSpPr>
+          <p:cNvPr id="69" name="TextBox 68">
+            <a:extLst>
+              <a:ext uri="{FF2B5EF4-FFF2-40B4-BE49-F238E27FC236}">
+                <a16:creationId xmlns:a16="http://schemas.microsoft.com/office/drawing/2014/main" id="{1F56C785-521D-86C6-0036-BA81D891361C}"/>
+              </a:ext>
+            </a:extLst>
+          </p:cNvPr>
+          <p:cNvSpPr txBox="1"/>
+          <p:nvPr/>
+        </p:nvSpPr>
+        <p:spPr>
+          <a:xfrm>
+            <a:off x="10206744" y="619395"/>
+            <a:ext cx="1123610" cy="276999"/>
+          </a:xfrm>
+          <a:prstGeom prst="rect">
+            <a:avLst/>
+          </a:prstGeom>
+          <a:noFill/>
+        </p:spPr>
+        <p:txBody>
+          <a:bodyPr wrap="square" rtlCol="0">
+            <a:spAutoFit/>
+          </a:bodyPr>
+          <a:lstStyle/>
+          <a:p>
+            <a:r>
+              <a:rPr lang="en-US" sz="1200" dirty="0"/>
+              <a:t>Scans Mailbox</a:t>
+            </a:r>
+          </a:p>
+        </p:txBody>
+      </p:sp>
+    </p:spTree>
+    <p:extLst>
+      <p:ext uri="{BB962C8B-B14F-4D97-AF65-F5344CB8AC3E}">
+        <p14:creationId xmlns:p14="http://schemas.microsoft.com/office/powerpoint/2010/main" val="3466885903"/>
+      </p:ext>
+    </p:extLst>
+  </p:cSld>
+  <p:clrMapOvr>
+    <a:masterClrMapping/>
+  </p:clrMapOvr>
+</p:sld>
+</file>
+
+<file path=ppt/slides/slide2.xml><?xml version="1.0" encoding="utf-8"?>
+<p:sld xmlns:a="http://schemas.openxmlformats.org/drawingml/2006/main" xmlns:r="http://schemas.openxmlformats.org/officeDocument/2006/relationships" xmlns:p="http://schemas.openxmlformats.org/presentationml/2006/main">
+  <p:cSld>
+    <p:spTree>
+      <p:nvGrpSpPr>
+        <p:cNvPr id="1" name=""/>
+        <p:cNvGrpSpPr/>
+        <p:nvPr/>
+      </p:nvGrpSpPr>
+      <p:grpSpPr>
+        <a:xfrm>
+          <a:off x="0" y="0"/>
+          <a:ext cx="0" cy="0"/>
+          <a:chOff x="0" y="0"/>
+          <a:chExt cx="0" cy="0"/>
+        </a:xfrm>
+      </p:grpSpPr>
       <p:pic>
         <p:nvPicPr>
-          <p:cNvPr id="46" name="Picture 45" descr="A picture containing graphics, screenshot, design&#10;&#10;Description automatically generated">
-            <a:extLst>
-              <a:ext uri="{FF2B5EF4-FFF2-40B4-BE49-F238E27FC236}">
-                <a16:creationId xmlns:a16="http://schemas.microsoft.com/office/drawing/2014/main" id="{FFDD86DC-625F-87FD-01FA-5EE09E5833ED}"/>
+          <p:cNvPr id="4" name="Picture 3" descr="A picture containing graphics, screenshot, design&#10;&#10;Description automatically generated">
+            <a:extLst>
+              <a:ext uri="{FF2B5EF4-FFF2-40B4-BE49-F238E27FC236}">
+                <a16:creationId xmlns:a16="http://schemas.microsoft.com/office/drawing/2014/main" id="{368E4A8F-8B1A-F3A8-A945-79EAE1E9EA1B}"/>
               </a:ext>
             </a:extLst>
           </p:cNvPr>
@@ -4490,13 +4561,13 @@
           <p:nvPr/>
         </p:nvPicPr>
         <p:blipFill>
-          <a:blip r:embed="rId13">
+          <a:blip r:embed="rId2">
             <a:extLst>
               <a:ext uri="{28A0092B-C50C-407E-A947-70E740481C1C}">
                 <a14:useLocalDpi xmlns:a14="http://schemas.microsoft.com/office/drawing/2010/main" val="0"/>
               </a:ext>
               <a:ext uri="{837473B0-CC2E-450A-ABE3-18F120FF3D39}">
-                <a1611:picAttrSrcUrl xmlns:a1611="http://schemas.microsoft.com/office/drawing/2016/11/main" r:id="rId14"/>
+                <a1611:picAttrSrcUrl xmlns:a1611="http://schemas.microsoft.com/office/drawing/2016/11/main" r:id="rId3"/>
               </a:ext>
             </a:extLst>
           </a:blip>
@@ -4506,7 +4577,7 @@
         </p:blipFill>
         <p:spPr>
           <a:xfrm>
-            <a:off x="9225918" y="518951"/>
+            <a:off x="1164760" y="591140"/>
             <a:ext cx="1072615" cy="563123"/>
           </a:xfrm>
           <a:prstGeom prst="rect">
@@ -4516,10 +4587,10 @@
       </p:pic>
       <p:pic>
         <p:nvPicPr>
-          <p:cNvPr id="47" name="Picture 46" descr="A picture containing cloud, sky, blue, screenshot&#10;&#10;Description automatically generated">
-            <a:extLst>
-              <a:ext uri="{FF2B5EF4-FFF2-40B4-BE49-F238E27FC236}">
-                <a16:creationId xmlns:a16="http://schemas.microsoft.com/office/drawing/2014/main" id="{6FA65F29-981C-51FD-CC7A-DF6801ACD9E1}"/>
+          <p:cNvPr id="5" name="Picture 4" descr="A picture containing cloud, sky, blue, screenshot&#10;&#10;Description automatically generated">
+            <a:extLst>
+              <a:ext uri="{FF2B5EF4-FFF2-40B4-BE49-F238E27FC236}">
+                <a16:creationId xmlns:a16="http://schemas.microsoft.com/office/drawing/2014/main" id="{18FB7F8C-E4AB-8080-D0E1-F5C195A2DCAB}"/>
               </a:ext>
             </a:extLst>
           </p:cNvPr>
@@ -4545,7 +4616,7 @@
         </p:blipFill>
         <p:spPr>
           <a:xfrm>
-            <a:off x="10540375" y="3872935"/>
+            <a:off x="5576372" y="547545"/>
             <a:ext cx="1164509" cy="730244"/>
           </a:xfrm>
           <a:prstGeom prst="rect">
@@ -4556,10 +4627,10 @@
       </p:pic>
       <p:pic>
         <p:nvPicPr>
-          <p:cNvPr id="49" name="Picture 48" descr="A picture containing graphics, screenshot, graphic design, design&#10;&#10;Description automatically generated">
-            <a:extLst>
-              <a:ext uri="{FF2B5EF4-FFF2-40B4-BE49-F238E27FC236}">
-                <a16:creationId xmlns:a16="http://schemas.microsoft.com/office/drawing/2014/main" id="{5CA03DEC-81BD-8887-32F7-7DDC1C69876A}"/>
+          <p:cNvPr id="6" name="Picture 5" descr="A picture containing graphics, screenshot, graphic design, design&#10;&#10;Description automatically generated">
+            <a:extLst>
+              <a:ext uri="{FF2B5EF4-FFF2-40B4-BE49-F238E27FC236}">
+                <a16:creationId xmlns:a16="http://schemas.microsoft.com/office/drawing/2014/main" id="{19D58598-7BD6-E9EA-A54A-F3B7CC2EC6D0}"/>
               </a:ext>
             </a:extLst>
           </p:cNvPr>
@@ -4569,13 +4640,13 @@
           <p:nvPr/>
         </p:nvPicPr>
         <p:blipFill>
-          <a:blip r:embed="rId15">
+          <a:blip r:embed="rId6">
             <a:extLst>
               <a:ext uri="{28A0092B-C50C-407E-A947-70E740481C1C}">
                 <a14:useLocalDpi xmlns:a14="http://schemas.microsoft.com/office/drawing/2010/main" val="0"/>
               </a:ext>
               <a:ext uri="{837473B0-CC2E-450A-ABE3-18F120FF3D39}">
-                <a1611:picAttrSrcUrl xmlns:a1611="http://schemas.microsoft.com/office/drawing/2016/11/main" r:id="rId16"/>
+                <a1611:picAttrSrcUrl xmlns:a1611="http://schemas.microsoft.com/office/drawing/2016/11/main" r:id="rId7"/>
               </a:ext>
             </a:extLst>
           </a:blip>
@@ -4585,7 +4656,7 @@
         </p:blipFill>
         <p:spPr>
           <a:xfrm>
-            <a:off x="9585553" y="1748930"/>
+            <a:off x="2697797" y="610710"/>
             <a:ext cx="523982" cy="523982"/>
           </a:xfrm>
           <a:prstGeom prst="rect">
@@ -4595,10 +4666,10 @@
       </p:pic>
       <p:pic>
         <p:nvPicPr>
-          <p:cNvPr id="51" name="Picture 50" descr="A picture containing graphics, screenshot, design&#10;&#10;Description automatically generated">
-            <a:extLst>
-              <a:ext uri="{FF2B5EF4-FFF2-40B4-BE49-F238E27FC236}">
-                <a16:creationId xmlns:a16="http://schemas.microsoft.com/office/drawing/2014/main" id="{76A4F330-7374-5D3A-56FD-A96F0EA039C6}"/>
+          <p:cNvPr id="7" name="Picture 6" descr="A picture containing graphics, screenshot, design&#10;&#10;Description automatically generated">
+            <a:extLst>
+              <a:ext uri="{FF2B5EF4-FFF2-40B4-BE49-F238E27FC236}">
+                <a16:creationId xmlns:a16="http://schemas.microsoft.com/office/drawing/2014/main" id="{2A876AC0-A07B-FDC1-6649-F438A497AE80}"/>
               </a:ext>
             </a:extLst>
           </p:cNvPr>
@@ -4608,13 +4679,13 @@
           <p:nvPr/>
         </p:nvPicPr>
         <p:blipFill>
-          <a:blip r:embed="rId13">
+          <a:blip r:embed="rId2">
             <a:extLst>
               <a:ext uri="{28A0092B-C50C-407E-A947-70E740481C1C}">
                 <a14:useLocalDpi xmlns:a14="http://schemas.microsoft.com/office/drawing/2010/main" val="0"/>
               </a:ext>
               <a:ext uri="{837473B0-CC2E-450A-ABE3-18F120FF3D39}">
-                <a1611:picAttrSrcUrl xmlns:a1611="http://schemas.microsoft.com/office/drawing/2016/11/main" r:id="rId14"/>
+                <a1611:picAttrSrcUrl xmlns:a1611="http://schemas.microsoft.com/office/drawing/2016/11/main" r:id="rId3"/>
               </a:ext>
             </a:extLst>
           </a:blip>
@@ -4624,7 +4695,7 @@
         </p:blipFill>
         <p:spPr>
           <a:xfrm>
-            <a:off x="9311237" y="2900421"/>
+            <a:off x="3862768" y="584327"/>
             <a:ext cx="1072615" cy="563123"/>
           </a:xfrm>
           <a:prstGeom prst="rect">
@@ -4634,10 +4705,10 @@
       </p:pic>
       <p:pic>
         <p:nvPicPr>
-          <p:cNvPr id="52" name="Picture 51" descr="A picture containing graphics, screenshot, graphic design, design&#10;&#10;Description automatically generated">
-            <a:extLst>
-              <a:ext uri="{FF2B5EF4-FFF2-40B4-BE49-F238E27FC236}">
-                <a16:creationId xmlns:a16="http://schemas.microsoft.com/office/drawing/2014/main" id="{FC252181-005C-006F-2EE8-999D2863BB8F}"/>
+          <p:cNvPr id="8" name="Picture 7" descr="A picture containing graphics, screenshot, graphic design, design&#10;&#10;Description automatically generated">
+            <a:extLst>
+              <a:ext uri="{FF2B5EF4-FFF2-40B4-BE49-F238E27FC236}">
+                <a16:creationId xmlns:a16="http://schemas.microsoft.com/office/drawing/2014/main" id="{F87DC0DE-FA4E-0790-211E-8027D0595CC6}"/>
               </a:ext>
             </a:extLst>
           </p:cNvPr>
@@ -4647,13 +4718,13 @@
           <p:nvPr/>
         </p:nvPicPr>
         <p:blipFill>
-          <a:blip r:embed="rId15">
+          <a:blip r:embed="rId6">
             <a:extLst>
               <a:ext uri="{28A0092B-C50C-407E-A947-70E740481C1C}">
                 <a14:useLocalDpi xmlns:a14="http://schemas.microsoft.com/office/drawing/2010/main" val="0"/>
               </a:ext>
               <a:ext uri="{837473B0-CC2E-450A-ABE3-18F120FF3D39}">
-                <a1611:picAttrSrcUrl xmlns:a1611="http://schemas.microsoft.com/office/drawing/2016/11/main" r:id="rId16"/>
+                <a1611:picAttrSrcUrl xmlns:a1611="http://schemas.microsoft.com/office/drawing/2016/11/main" r:id="rId7"/>
               </a:ext>
             </a:extLst>
           </a:blip>
@@ -4663,7 +4734,7 @@
         </p:blipFill>
         <p:spPr>
           <a:xfrm>
-            <a:off x="9500234" y="4951854"/>
+            <a:off x="7498492" y="632504"/>
             <a:ext cx="523982" cy="523982"/>
           </a:xfrm>
           <a:prstGeom prst="rect">
@@ -4673,10 +4744,10 @@
       </p:pic>
       <p:pic>
         <p:nvPicPr>
-          <p:cNvPr id="54" name="Picture 53" descr="A blue cloud with white text&#10;&#10;Description automatically generated with medium confidence">
-            <a:extLst>
-              <a:ext uri="{FF2B5EF4-FFF2-40B4-BE49-F238E27FC236}">
-                <a16:creationId xmlns:a16="http://schemas.microsoft.com/office/drawing/2014/main" id="{860A5E33-CBE0-8A53-9732-E317A2AEB6EB}"/>
+          <p:cNvPr id="9" name="Picture 8" descr="A blue cloud with white text&#10;&#10;Description automatically generated with medium confidence">
+            <a:extLst>
+              <a:ext uri="{FF2B5EF4-FFF2-40B4-BE49-F238E27FC236}">
+                <a16:creationId xmlns:a16="http://schemas.microsoft.com/office/drawing/2014/main" id="{53216FF8-3C49-75D1-2F99-75D8B47057CA}"/>
               </a:ext>
             </a:extLst>
           </p:cNvPr>
@@ -4686,13 +4757,13 @@
           <p:nvPr/>
         </p:nvPicPr>
         <p:blipFill>
-          <a:blip r:embed="rId17">
+          <a:blip r:embed="rId8">
             <a:extLst>
               <a:ext uri="{28A0092B-C50C-407E-A947-70E740481C1C}">
                 <a14:useLocalDpi xmlns:a14="http://schemas.microsoft.com/office/drawing/2010/main" val="0"/>
               </a:ext>
               <a:ext uri="{837473B0-CC2E-450A-ABE3-18F120FF3D39}">
-                <a1611:picAttrSrcUrl xmlns:a1611="http://schemas.microsoft.com/office/drawing/2016/11/main" r:id="rId18"/>
+                <a1611:picAttrSrcUrl xmlns:a1611="http://schemas.microsoft.com/office/drawing/2016/11/main" r:id="rId9"/>
               </a:ext>
             </a:extLst>
           </a:blip>
@@ -4702,7 +4773,7 @@
         </p:blipFill>
         <p:spPr>
           <a:xfrm>
-            <a:off x="10737350" y="5655178"/>
+            <a:off x="6941812" y="1696788"/>
             <a:ext cx="770561" cy="770561"/>
           </a:xfrm>
           <a:prstGeom prst="rect">
@@ -4712,10 +4783,10 @@
       </p:pic>
       <p:cxnSp>
         <p:nvCxnSpPr>
-          <p:cNvPr id="55" name="Straight Arrow Connector 54">
-            <a:extLst>
-              <a:ext uri="{FF2B5EF4-FFF2-40B4-BE49-F238E27FC236}">
-                <a16:creationId xmlns:a16="http://schemas.microsoft.com/office/drawing/2014/main" id="{A0397D76-363F-CDB0-51EA-FF371C29C4EE}"/>
+          <p:cNvPr id="10" name="Straight Arrow Connector 9">
+            <a:extLst>
+              <a:ext uri="{FF2B5EF4-FFF2-40B4-BE49-F238E27FC236}">
+                <a16:creationId xmlns:a16="http://schemas.microsoft.com/office/drawing/2014/main" id="{E3965D46-DA94-D6CF-D1CD-B9FACE137BAB}"/>
               </a:ext>
             </a:extLst>
           </p:cNvPr>
@@ -4726,8 +4797,8 @@
         </p:nvCxnSpPr>
         <p:spPr>
           <a:xfrm>
-            <a:off x="9770486" y="1268536"/>
-            <a:ext cx="0" cy="480394"/>
+            <a:off x="2227880" y="865889"/>
+            <a:ext cx="438309" cy="0"/>
           </a:xfrm>
           <a:prstGeom prst="straightConnector1">
             <a:avLst/>
@@ -4754,10 +4825,10 @@
       </p:cxnSp>
       <p:cxnSp>
         <p:nvCxnSpPr>
-          <p:cNvPr id="59" name="Straight Arrow Connector 58">
-            <a:extLst>
-              <a:ext uri="{FF2B5EF4-FFF2-40B4-BE49-F238E27FC236}">
-                <a16:creationId xmlns:a16="http://schemas.microsoft.com/office/drawing/2014/main" id="{A74C6D6B-9644-3347-7D1A-9F0E59C93CD1}"/>
+          <p:cNvPr id="11" name="Straight Arrow Connector 10">
+            <a:extLst>
+              <a:ext uri="{FF2B5EF4-FFF2-40B4-BE49-F238E27FC236}">
+                <a16:creationId xmlns:a16="http://schemas.microsoft.com/office/drawing/2014/main" id="{7586B8EF-24BD-FBA8-2F10-EDD05C60F97E}"/>
               </a:ext>
             </a:extLst>
           </p:cNvPr>
@@ -4768,8 +4839,8 @@
         </p:nvCxnSpPr>
         <p:spPr>
           <a:xfrm>
-            <a:off x="9840693" y="2376433"/>
-            <a:ext cx="0" cy="480394"/>
+            <a:off x="3295514" y="894495"/>
+            <a:ext cx="494433" cy="0"/>
           </a:xfrm>
           <a:prstGeom prst="straightConnector1">
             <a:avLst/>
@@ -4796,10 +4867,10 @@
       </p:cxnSp>
       <p:cxnSp>
         <p:nvCxnSpPr>
-          <p:cNvPr id="60" name="Straight Arrow Connector 59">
-            <a:extLst>
-              <a:ext uri="{FF2B5EF4-FFF2-40B4-BE49-F238E27FC236}">
-                <a16:creationId xmlns:a16="http://schemas.microsoft.com/office/drawing/2014/main" id="{A3086AF3-1CED-C5DB-FD24-0AB3369E97F9}"/>
+          <p:cNvPr id="12" name="Straight Arrow Connector 11">
+            <a:extLst>
+              <a:ext uri="{FF2B5EF4-FFF2-40B4-BE49-F238E27FC236}">
+                <a16:creationId xmlns:a16="http://schemas.microsoft.com/office/drawing/2014/main" id="{95C408B4-7A29-3EE0-A216-BEC511C6B644}"/>
               </a:ext>
             </a:extLst>
           </p:cNvPr>
@@ -4810,8 +4881,8 @@
         </p:nvCxnSpPr>
         <p:spPr>
           <a:xfrm>
-            <a:off x="9850636" y="3570435"/>
-            <a:ext cx="559982" cy="423671"/>
+            <a:off x="4847172" y="894495"/>
+            <a:ext cx="568168" cy="0"/>
           </a:xfrm>
           <a:prstGeom prst="straightConnector1">
             <a:avLst/>
@@ -4838,10 +4909,10 @@
       </p:cxnSp>
       <p:cxnSp>
         <p:nvCxnSpPr>
-          <p:cNvPr id="63" name="Straight Arrow Connector 62">
-            <a:extLst>
-              <a:ext uri="{FF2B5EF4-FFF2-40B4-BE49-F238E27FC236}">
-                <a16:creationId xmlns:a16="http://schemas.microsoft.com/office/drawing/2014/main" id="{E1A14648-4EBC-DDD8-71E7-F482D6428363}"/>
+          <p:cNvPr id="13" name="Straight Arrow Connector 12">
+            <a:extLst>
+              <a:ext uri="{FF2B5EF4-FFF2-40B4-BE49-F238E27FC236}">
+                <a16:creationId xmlns:a16="http://schemas.microsoft.com/office/drawing/2014/main" id="{3F3E375B-2E0F-7192-49C5-4F90226FB1E9}"/>
               </a:ext>
             </a:extLst>
           </p:cNvPr>
@@ -4851,9 +4922,9 @@
           <p:nvPr/>
         </p:nvCxnSpPr>
         <p:spPr>
-          <a:xfrm flipH="1">
-            <a:off x="9825686" y="4238057"/>
-            <a:ext cx="630950" cy="691700"/>
+          <a:xfrm>
+            <a:off x="6803857" y="912667"/>
+            <a:ext cx="631659" cy="0"/>
           </a:xfrm>
           <a:prstGeom prst="straightConnector1">
             <a:avLst/>
@@ -4880,23 +4951,22 @@
       </p:cxnSp>
       <p:cxnSp>
         <p:nvCxnSpPr>
-          <p:cNvPr id="66" name="Straight Arrow Connector 65">
-            <a:extLst>
-              <a:ext uri="{FF2B5EF4-FFF2-40B4-BE49-F238E27FC236}">
-                <a16:creationId xmlns:a16="http://schemas.microsoft.com/office/drawing/2014/main" id="{06649E02-A865-C70A-7C8D-1EFAD7CAE8D6}"/>
+          <p:cNvPr id="14" name="Straight Arrow Connector 13">
+            <a:extLst>
+              <a:ext uri="{FF2B5EF4-FFF2-40B4-BE49-F238E27FC236}">
+                <a16:creationId xmlns:a16="http://schemas.microsoft.com/office/drawing/2014/main" id="{D30E1539-7409-3600-5FDC-C5721A81DA60}"/>
               </a:ext>
             </a:extLst>
           </p:cNvPr>
           <p:cNvCxnSpPr>
             <a:cxnSpLocks/>
-            <a:endCxn id="54" idx="1"/>
           </p:cNvCxnSpPr>
           <p:nvPr/>
         </p:nvCxnSpPr>
         <p:spPr>
-          <a:xfrm>
-            <a:off x="9894013" y="5475836"/>
-            <a:ext cx="843337" cy="564623"/>
+          <a:xfrm flipV="1">
+            <a:off x="7372091" y="1134692"/>
+            <a:ext cx="252802" cy="607930"/>
           </a:xfrm>
           <a:prstGeom prst="straightConnector1">
             <a:avLst/>
@@ -4928,10 +4998,10 @@
       </p:cxnSp>
       <p:sp>
         <p:nvSpPr>
-          <p:cNvPr id="69" name="TextBox 68">
-            <a:extLst>
-              <a:ext uri="{FF2B5EF4-FFF2-40B4-BE49-F238E27FC236}">
-                <a16:creationId xmlns:a16="http://schemas.microsoft.com/office/drawing/2014/main" id="{1F56C785-521D-86C6-0036-BA81D891361C}"/>
+          <p:cNvPr id="15" name="TextBox 14">
+            <a:extLst>
+              <a:ext uri="{FF2B5EF4-FFF2-40B4-BE49-F238E27FC236}">
+                <a16:creationId xmlns:a16="http://schemas.microsoft.com/office/drawing/2014/main" id="{E839D710-26FE-AC21-5F3E-583DCE0E88CC}"/>
               </a:ext>
             </a:extLst>
           </p:cNvPr>
@@ -4940,8 +5010,8 @@
         </p:nvSpPr>
         <p:spPr>
           <a:xfrm>
-            <a:off x="10206744" y="619395"/>
-            <a:ext cx="1123610" cy="276999"/>
+            <a:off x="3900057" y="270546"/>
+            <a:ext cx="1444829" cy="276999"/>
           </a:xfrm>
           <a:prstGeom prst="rect">
             <a:avLst/>
@@ -4956,17 +5026,17 @@
           <a:p>
             <a:r>
               <a:rPr lang="en-US" sz="1200" dirty="0"/>
-              <a:t>Scans Mailbox</a:t>
-            </a:r>
-          </a:p>
-        </p:txBody>
-      </p:sp>
-      <p:sp>
-        <p:nvSpPr>
-          <p:cNvPr id="70" name="TextBox 69">
-            <a:extLst>
-              <a:ext uri="{FF2B5EF4-FFF2-40B4-BE49-F238E27FC236}">
-                <a16:creationId xmlns:a16="http://schemas.microsoft.com/office/drawing/2014/main" id="{239141F5-0538-0273-3668-2091A7F9979F}"/>
+              <a:t>Answers question</a:t>
+            </a:r>
+          </a:p>
+        </p:txBody>
+      </p:sp>
+      <p:sp>
+        <p:nvSpPr>
+          <p:cNvPr id="16" name="TextBox 15">
+            <a:extLst>
+              <a:ext uri="{FF2B5EF4-FFF2-40B4-BE49-F238E27FC236}">
+                <a16:creationId xmlns:a16="http://schemas.microsoft.com/office/drawing/2014/main" id="{0A7DF509-A7BA-F1A7-41C6-C3F06883B8B2}"/>
               </a:ext>
             </a:extLst>
           </p:cNvPr>
@@ -4975,8 +5045,8 @@
         </p:nvSpPr>
         <p:spPr>
           <a:xfrm>
-            <a:off x="10298532" y="3032961"/>
-            <a:ext cx="1444829" cy="276999"/>
+            <a:off x="1229024" y="270547"/>
+            <a:ext cx="1113503" cy="276999"/>
           </a:xfrm>
           <a:prstGeom prst="rect">
             <a:avLst/>
@@ -4991,7 +5061,7 @@
           <a:p>
             <a:r>
               <a:rPr lang="en-US" sz="1200" dirty="0"/>
-              <a:t>Answers question</a:t>
+              <a:t>Scans mailbox</a:t>
             </a:r>
           </a:p>
         </p:txBody>
@@ -4999,7 +5069,7 @@
     </p:spTree>
     <p:extLst>
       <p:ext uri="{BB962C8B-B14F-4D97-AF65-F5344CB8AC3E}">
-        <p14:creationId xmlns:p14="http://schemas.microsoft.com/office/powerpoint/2010/main" val="3466885903"/>
+        <p14:creationId xmlns:p14="http://schemas.microsoft.com/office/powerpoint/2010/main" val="814078631"/>
       </p:ext>
     </p:extLst>
   </p:cSld>

--- a/assets.pptx
+++ b/assets.pptx
@@ -260,7 +260,7 @@
           <a:p>
             <a:fld id="{E6CF916D-525A-4BF4-9D42-156FD815F44E}" type="datetimeFigureOut">
               <a:rPr lang="en-US" smtClean="0"/>
-              <a:t>6/3/2023</a:t>
+              <a:t>6/4/2023</a:t>
             </a:fld>
             <a:endParaRPr lang="en-US"/>
           </a:p>
@@ -458,7 +458,7 @@
           <a:p>
             <a:fld id="{E6CF916D-525A-4BF4-9D42-156FD815F44E}" type="datetimeFigureOut">
               <a:rPr lang="en-US" smtClean="0"/>
-              <a:t>6/3/2023</a:t>
+              <a:t>6/4/2023</a:t>
             </a:fld>
             <a:endParaRPr lang="en-US"/>
           </a:p>
@@ -666,7 +666,7 @@
           <a:p>
             <a:fld id="{E6CF916D-525A-4BF4-9D42-156FD815F44E}" type="datetimeFigureOut">
               <a:rPr lang="en-US" smtClean="0"/>
-              <a:t>6/3/2023</a:t>
+              <a:t>6/4/2023</a:t>
             </a:fld>
             <a:endParaRPr lang="en-US"/>
           </a:p>
@@ -864,7 +864,7 @@
           <a:p>
             <a:fld id="{E6CF916D-525A-4BF4-9D42-156FD815F44E}" type="datetimeFigureOut">
               <a:rPr lang="en-US" smtClean="0"/>
-              <a:t>6/3/2023</a:t>
+              <a:t>6/4/2023</a:t>
             </a:fld>
             <a:endParaRPr lang="en-US"/>
           </a:p>
@@ -1139,7 +1139,7 @@
           <a:p>
             <a:fld id="{E6CF916D-525A-4BF4-9D42-156FD815F44E}" type="datetimeFigureOut">
               <a:rPr lang="en-US" smtClean="0"/>
-              <a:t>6/3/2023</a:t>
+              <a:t>6/4/2023</a:t>
             </a:fld>
             <a:endParaRPr lang="en-US"/>
           </a:p>
@@ -1404,7 +1404,7 @@
           <a:p>
             <a:fld id="{E6CF916D-525A-4BF4-9D42-156FD815F44E}" type="datetimeFigureOut">
               <a:rPr lang="en-US" smtClean="0"/>
-              <a:t>6/3/2023</a:t>
+              <a:t>6/4/2023</a:t>
             </a:fld>
             <a:endParaRPr lang="en-US"/>
           </a:p>
@@ -1816,7 +1816,7 @@
           <a:p>
             <a:fld id="{E6CF916D-525A-4BF4-9D42-156FD815F44E}" type="datetimeFigureOut">
               <a:rPr lang="en-US" smtClean="0"/>
-              <a:t>6/3/2023</a:t>
+              <a:t>6/4/2023</a:t>
             </a:fld>
             <a:endParaRPr lang="en-US"/>
           </a:p>
@@ -1957,7 +1957,7 @@
           <a:p>
             <a:fld id="{E6CF916D-525A-4BF4-9D42-156FD815F44E}" type="datetimeFigureOut">
               <a:rPr lang="en-US" smtClean="0"/>
-              <a:t>6/3/2023</a:t>
+              <a:t>6/4/2023</a:t>
             </a:fld>
             <a:endParaRPr lang="en-US"/>
           </a:p>
@@ -2070,7 +2070,7 @@
           <a:p>
             <a:fld id="{E6CF916D-525A-4BF4-9D42-156FD815F44E}" type="datetimeFigureOut">
               <a:rPr lang="en-US" smtClean="0"/>
-              <a:t>6/3/2023</a:t>
+              <a:t>6/4/2023</a:t>
             </a:fld>
             <a:endParaRPr lang="en-US"/>
           </a:p>
@@ -2381,7 +2381,7 @@
           <a:p>
             <a:fld id="{E6CF916D-525A-4BF4-9D42-156FD815F44E}" type="datetimeFigureOut">
               <a:rPr lang="en-US" smtClean="0"/>
-              <a:t>6/3/2023</a:t>
+              <a:t>6/4/2023</a:t>
             </a:fld>
             <a:endParaRPr lang="en-US"/>
           </a:p>
@@ -2669,7 +2669,7 @@
           <a:p>
             <a:fld id="{E6CF916D-525A-4BF4-9D42-156FD815F44E}" type="datetimeFigureOut">
               <a:rPr lang="en-US" smtClean="0"/>
-              <a:t>6/3/2023</a:t>
+              <a:t>6/4/2023</a:t>
             </a:fld>
             <a:endParaRPr lang="en-US"/>
           </a:p>
@@ -2910,7 +2910,7 @@
           <a:p>
             <a:fld id="{E6CF916D-525A-4BF4-9D42-156FD815F44E}" type="datetimeFigureOut">
               <a:rPr lang="en-US" smtClean="0"/>
-              <a:t>6/3/2023</a:t>
+              <a:t>6/4/2023</a:t>
             </a:fld>
             <a:endParaRPr lang="en-US"/>
           </a:p>
@@ -4742,45 +4742,6 @@
           </a:prstGeom>
         </p:spPr>
       </p:pic>
-      <p:pic>
-        <p:nvPicPr>
-          <p:cNvPr id="9" name="Picture 8" descr="A blue cloud with white text&#10;&#10;Description automatically generated with medium confidence">
-            <a:extLst>
-              <a:ext uri="{FF2B5EF4-FFF2-40B4-BE49-F238E27FC236}">
-                <a16:creationId xmlns:a16="http://schemas.microsoft.com/office/drawing/2014/main" id="{53216FF8-3C49-75D1-2F99-75D8B47057CA}"/>
-              </a:ext>
-            </a:extLst>
-          </p:cNvPr>
-          <p:cNvPicPr>
-            <a:picLocks noChangeAspect="1"/>
-          </p:cNvPicPr>
-          <p:nvPr/>
-        </p:nvPicPr>
-        <p:blipFill>
-          <a:blip r:embed="rId8">
-            <a:extLst>
-              <a:ext uri="{28A0092B-C50C-407E-A947-70E740481C1C}">
-                <a14:useLocalDpi xmlns:a14="http://schemas.microsoft.com/office/drawing/2010/main" val="0"/>
-              </a:ext>
-              <a:ext uri="{837473B0-CC2E-450A-ABE3-18F120FF3D39}">
-                <a1611:picAttrSrcUrl xmlns:a1611="http://schemas.microsoft.com/office/drawing/2016/11/main" r:id="rId9"/>
-              </a:ext>
-            </a:extLst>
-          </a:blip>
-          <a:stretch>
-            <a:fillRect/>
-          </a:stretch>
-        </p:blipFill>
-        <p:spPr>
-          <a:xfrm>
-            <a:off x="6941812" y="1696788"/>
-            <a:ext cx="770561" cy="770561"/>
-          </a:xfrm>
-          <a:prstGeom prst="rect">
-            <a:avLst/>
-          </a:prstGeom>
-        </p:spPr>
-      </p:pic>
       <p:cxnSp>
         <p:nvCxnSpPr>
           <p:cNvPr id="10" name="Straight Arrow Connector 9">
@@ -4943,53 +4904,6 @@
           </a:fillRef>
           <a:effectRef idx="0">
             <a:schemeClr val="accent1"/>
-          </a:effectRef>
-          <a:fontRef idx="minor">
-            <a:schemeClr val="tx1"/>
-          </a:fontRef>
-        </p:style>
-      </p:cxnSp>
-      <p:cxnSp>
-        <p:nvCxnSpPr>
-          <p:cNvPr id="14" name="Straight Arrow Connector 13">
-            <a:extLst>
-              <a:ext uri="{FF2B5EF4-FFF2-40B4-BE49-F238E27FC236}">
-                <a16:creationId xmlns:a16="http://schemas.microsoft.com/office/drawing/2014/main" id="{D30E1539-7409-3600-5FDC-C5721A81DA60}"/>
-              </a:ext>
-            </a:extLst>
-          </p:cNvPr>
-          <p:cNvCxnSpPr>
-            <a:cxnSpLocks/>
-          </p:cNvCxnSpPr>
-          <p:nvPr/>
-        </p:nvCxnSpPr>
-        <p:spPr>
-          <a:xfrm flipV="1">
-            <a:off x="7372091" y="1134692"/>
-            <a:ext cx="252802" cy="607930"/>
-          </a:xfrm>
-          <a:prstGeom prst="straightConnector1">
-            <a:avLst/>
-          </a:prstGeom>
-          <a:ln w="9525" cap="flat" cmpd="sng" algn="ctr">
-            <a:solidFill>
-              <a:schemeClr val="accent1"/>
-            </a:solidFill>
-            <a:prstDash val="solid"/>
-            <a:round/>
-            <a:headEnd type="triangle" w="med" len="med"/>
-            <a:tailEnd type="triangle" w="med" len="med"/>
-          </a:ln>
-        </p:spPr>
-        <p:style>
-          <a:lnRef idx="0">
-            <a:scrgbClr r="0" g="0" b="0"/>
-          </a:lnRef>
-          <a:fillRef idx="0">
-            <a:scrgbClr r="0" g="0" b="0"/>
-          </a:fillRef>
-          <a:effectRef idx="0">
-            <a:scrgbClr r="0" g="0" b="0"/>
           </a:effectRef>
           <a:fontRef idx="minor">
             <a:schemeClr val="tx1"/>

--- a/assets.pptx
+++ b/assets.pptx
@@ -7,6 +7,8 @@
   <p:sldIdLst>
     <p:sldId id="256" r:id="rId2"/>
     <p:sldId id="257" r:id="rId3"/>
+    <p:sldId id="258" r:id="rId4"/>
+    <p:sldId id="259" r:id="rId5"/>
   </p:sldIdLst>
   <p:sldSz cx="12192000" cy="6858000"/>
   <p:notesSz cx="6858000" cy="9144000"/>
@@ -260,7 +262,7 @@
           <a:p>
             <a:fld id="{E6CF916D-525A-4BF4-9D42-156FD815F44E}" type="datetimeFigureOut">
               <a:rPr lang="en-US" smtClean="0"/>
-              <a:t>6/4/2023</a:t>
+              <a:t>6/5/2023</a:t>
             </a:fld>
             <a:endParaRPr lang="en-US"/>
           </a:p>
@@ -458,7 +460,7 @@
           <a:p>
             <a:fld id="{E6CF916D-525A-4BF4-9D42-156FD815F44E}" type="datetimeFigureOut">
               <a:rPr lang="en-US" smtClean="0"/>
-              <a:t>6/4/2023</a:t>
+              <a:t>6/5/2023</a:t>
             </a:fld>
             <a:endParaRPr lang="en-US"/>
           </a:p>
@@ -666,7 +668,7 @@
           <a:p>
             <a:fld id="{E6CF916D-525A-4BF4-9D42-156FD815F44E}" type="datetimeFigureOut">
               <a:rPr lang="en-US" smtClean="0"/>
-              <a:t>6/4/2023</a:t>
+              <a:t>6/5/2023</a:t>
             </a:fld>
             <a:endParaRPr lang="en-US"/>
           </a:p>
@@ -864,7 +866,7 @@
           <a:p>
             <a:fld id="{E6CF916D-525A-4BF4-9D42-156FD815F44E}" type="datetimeFigureOut">
               <a:rPr lang="en-US" smtClean="0"/>
-              <a:t>6/4/2023</a:t>
+              <a:t>6/5/2023</a:t>
             </a:fld>
             <a:endParaRPr lang="en-US"/>
           </a:p>
@@ -1139,7 +1141,7 @@
           <a:p>
             <a:fld id="{E6CF916D-525A-4BF4-9D42-156FD815F44E}" type="datetimeFigureOut">
               <a:rPr lang="en-US" smtClean="0"/>
-              <a:t>6/4/2023</a:t>
+              <a:t>6/5/2023</a:t>
             </a:fld>
             <a:endParaRPr lang="en-US"/>
           </a:p>
@@ -1404,7 +1406,7 @@
           <a:p>
             <a:fld id="{E6CF916D-525A-4BF4-9D42-156FD815F44E}" type="datetimeFigureOut">
               <a:rPr lang="en-US" smtClean="0"/>
-              <a:t>6/4/2023</a:t>
+              <a:t>6/5/2023</a:t>
             </a:fld>
             <a:endParaRPr lang="en-US"/>
           </a:p>
@@ -1816,7 +1818,7 @@
           <a:p>
             <a:fld id="{E6CF916D-525A-4BF4-9D42-156FD815F44E}" type="datetimeFigureOut">
               <a:rPr lang="en-US" smtClean="0"/>
-              <a:t>6/4/2023</a:t>
+              <a:t>6/5/2023</a:t>
             </a:fld>
             <a:endParaRPr lang="en-US"/>
           </a:p>
@@ -1957,7 +1959,7 @@
           <a:p>
             <a:fld id="{E6CF916D-525A-4BF4-9D42-156FD815F44E}" type="datetimeFigureOut">
               <a:rPr lang="en-US" smtClean="0"/>
-              <a:t>6/4/2023</a:t>
+              <a:t>6/5/2023</a:t>
             </a:fld>
             <a:endParaRPr lang="en-US"/>
           </a:p>
@@ -2070,7 +2072,7 @@
           <a:p>
             <a:fld id="{E6CF916D-525A-4BF4-9D42-156FD815F44E}" type="datetimeFigureOut">
               <a:rPr lang="en-US" smtClean="0"/>
-              <a:t>6/4/2023</a:t>
+              <a:t>6/5/2023</a:t>
             </a:fld>
             <a:endParaRPr lang="en-US"/>
           </a:p>
@@ -2381,7 +2383,7 @@
           <a:p>
             <a:fld id="{E6CF916D-525A-4BF4-9D42-156FD815F44E}" type="datetimeFigureOut">
               <a:rPr lang="en-US" smtClean="0"/>
-              <a:t>6/4/2023</a:t>
+              <a:t>6/5/2023</a:t>
             </a:fld>
             <a:endParaRPr lang="en-US"/>
           </a:p>
@@ -2669,7 +2671,7 @@
           <a:p>
             <a:fld id="{E6CF916D-525A-4BF4-9D42-156FD815F44E}" type="datetimeFigureOut">
               <a:rPr lang="en-US" smtClean="0"/>
-              <a:t>6/4/2023</a:t>
+              <a:t>6/5/2023</a:t>
             </a:fld>
             <a:endParaRPr lang="en-US"/>
           </a:p>
@@ -2910,7 +2912,7 @@
           <a:p>
             <a:fld id="{E6CF916D-525A-4BF4-9D42-156FD815F44E}" type="datetimeFigureOut">
               <a:rPr lang="en-US" smtClean="0"/>
-              <a:t>6/4/2023</a:t>
+              <a:t>6/5/2023</a:t>
             </a:fld>
             <a:endParaRPr lang="en-US"/>
           </a:p>
@@ -4993,6 +4995,688 @@
 </p:sld>
 </file>
 
+<file path=ppt/slides/slide3.xml><?xml version="1.0" encoding="utf-8"?>
+<p:sld xmlns:a="http://schemas.openxmlformats.org/drawingml/2006/main" xmlns:r="http://schemas.openxmlformats.org/officeDocument/2006/relationships" xmlns:p="http://schemas.openxmlformats.org/presentationml/2006/main">
+  <p:cSld>
+    <p:spTree>
+      <p:nvGrpSpPr>
+        <p:cNvPr id="1" name=""/>
+        <p:cNvGrpSpPr/>
+        <p:nvPr/>
+      </p:nvGrpSpPr>
+      <p:grpSpPr>
+        <a:xfrm>
+          <a:off x="0" y="0"/>
+          <a:ext cx="0" cy="0"/>
+          <a:chOff x="0" y="0"/>
+          <a:chExt cx="0" cy="0"/>
+        </a:xfrm>
+      </p:grpSpPr>
+      <p:pic>
+        <p:nvPicPr>
+          <p:cNvPr id="5" name="Picture 4">
+            <a:extLst>
+              <a:ext uri="{FF2B5EF4-FFF2-40B4-BE49-F238E27FC236}">
+                <a16:creationId xmlns:a16="http://schemas.microsoft.com/office/drawing/2014/main" id="{8847DCCF-6E17-1856-0A81-982509772D3B}"/>
+              </a:ext>
+            </a:extLst>
+          </p:cNvPr>
+          <p:cNvPicPr>
+            <a:picLocks noChangeAspect="1"/>
+          </p:cNvPicPr>
+          <p:nvPr/>
+        </p:nvPicPr>
+        <p:blipFill>
+          <a:blip r:embed="rId2"/>
+          <a:stretch>
+            <a:fillRect/>
+          </a:stretch>
+        </p:blipFill>
+        <p:spPr>
+          <a:xfrm>
+            <a:off x="234969" y="332492"/>
+            <a:ext cx="6091282" cy="1223971"/>
+          </a:xfrm>
+          <a:prstGeom prst="rect">
+            <a:avLst/>
+          </a:prstGeom>
+        </p:spPr>
+      </p:pic>
+      <p:pic>
+        <p:nvPicPr>
+          <p:cNvPr id="7" name="Picture 6">
+            <a:extLst>
+              <a:ext uri="{FF2B5EF4-FFF2-40B4-BE49-F238E27FC236}">
+                <a16:creationId xmlns:a16="http://schemas.microsoft.com/office/drawing/2014/main" id="{F80540CB-F02D-DDFA-C5C5-127BFCA58971}"/>
+              </a:ext>
+            </a:extLst>
+          </p:cNvPr>
+          <p:cNvPicPr>
+            <a:picLocks noChangeAspect="1"/>
+          </p:cNvPicPr>
+          <p:nvPr/>
+        </p:nvPicPr>
+        <p:blipFill>
+          <a:blip r:embed="rId3"/>
+          <a:stretch>
+            <a:fillRect/>
+          </a:stretch>
+        </p:blipFill>
+        <p:spPr>
+          <a:xfrm>
+            <a:off x="422712" y="2263429"/>
+            <a:ext cx="3267099" cy="652467"/>
+          </a:xfrm>
+          <a:prstGeom prst="rect">
+            <a:avLst/>
+          </a:prstGeom>
+        </p:spPr>
+      </p:pic>
+      <p:cxnSp>
+        <p:nvCxnSpPr>
+          <p:cNvPr id="11" name="Straight Arrow Connector 10">
+            <a:extLst>
+              <a:ext uri="{FF2B5EF4-FFF2-40B4-BE49-F238E27FC236}">
+                <a16:creationId xmlns:a16="http://schemas.microsoft.com/office/drawing/2014/main" id="{96E2850A-136E-771F-E514-38FD43035E8A}"/>
+              </a:ext>
+            </a:extLst>
+          </p:cNvPr>
+          <p:cNvCxnSpPr/>
+          <p:nvPr/>
+        </p:nvCxnSpPr>
+        <p:spPr>
+          <a:xfrm flipH="1">
+            <a:off x="2935705" y="2135605"/>
+            <a:ext cx="228600" cy="324853"/>
+          </a:xfrm>
+          <a:prstGeom prst="straightConnector1">
+            <a:avLst/>
+          </a:prstGeom>
+          <a:ln>
+            <a:solidFill>
+              <a:srgbClr val="C00000"/>
+            </a:solidFill>
+            <a:tailEnd type="triangle"/>
+          </a:ln>
+        </p:spPr>
+        <p:style>
+          <a:lnRef idx="1">
+            <a:schemeClr val="accent1"/>
+          </a:lnRef>
+          <a:fillRef idx="0">
+            <a:schemeClr val="accent1"/>
+          </a:fillRef>
+          <a:effectRef idx="0">
+            <a:schemeClr val="accent1"/>
+          </a:effectRef>
+          <a:fontRef idx="minor">
+            <a:schemeClr val="tx1"/>
+          </a:fontRef>
+        </p:style>
+      </p:cxnSp>
+      <p:pic>
+        <p:nvPicPr>
+          <p:cNvPr id="13" name="Picture 12">
+            <a:extLst>
+              <a:ext uri="{FF2B5EF4-FFF2-40B4-BE49-F238E27FC236}">
+                <a16:creationId xmlns:a16="http://schemas.microsoft.com/office/drawing/2014/main" id="{C39E8D16-D8B6-38C6-B737-208B7615B264}"/>
+              </a:ext>
+            </a:extLst>
+          </p:cNvPr>
+          <p:cNvPicPr>
+            <a:picLocks noChangeAspect="1"/>
+          </p:cNvPicPr>
+          <p:nvPr/>
+        </p:nvPicPr>
+        <p:blipFill>
+          <a:blip r:embed="rId4"/>
+          <a:stretch>
+            <a:fillRect/>
+          </a:stretch>
+        </p:blipFill>
+        <p:spPr>
+          <a:xfrm>
+            <a:off x="1134717" y="3539157"/>
+            <a:ext cx="3076597" cy="1957402"/>
+          </a:xfrm>
+          <a:prstGeom prst="rect">
+            <a:avLst/>
+          </a:prstGeom>
+        </p:spPr>
+      </p:pic>
+      <p:sp>
+        <p:nvSpPr>
+          <p:cNvPr id="14" name="Rectangle 13">
+            <a:extLst>
+              <a:ext uri="{FF2B5EF4-FFF2-40B4-BE49-F238E27FC236}">
+                <a16:creationId xmlns:a16="http://schemas.microsoft.com/office/drawing/2014/main" id="{91319C93-D4E3-F6BF-55CE-56D0C512C21F}"/>
+              </a:ext>
+            </a:extLst>
+          </p:cNvPr>
+          <p:cNvSpPr/>
+          <p:nvPr/>
+        </p:nvSpPr>
+        <p:spPr>
+          <a:xfrm>
+            <a:off x="1846847" y="3765884"/>
+            <a:ext cx="2105527" cy="318837"/>
+          </a:xfrm>
+          <a:prstGeom prst="rect">
+            <a:avLst/>
+          </a:prstGeom>
+          <a:noFill/>
+          <a:ln>
+            <a:solidFill>
+              <a:srgbClr val="C00000"/>
+            </a:solidFill>
+          </a:ln>
+        </p:spPr>
+        <p:style>
+          <a:lnRef idx="2">
+            <a:schemeClr val="accent1">
+              <a:shade val="15000"/>
+            </a:schemeClr>
+          </a:lnRef>
+          <a:fillRef idx="1">
+            <a:schemeClr val="accent1"/>
+          </a:fillRef>
+          <a:effectRef idx="0">
+            <a:schemeClr val="accent1"/>
+          </a:effectRef>
+          <a:fontRef idx="minor">
+            <a:schemeClr val="lt1"/>
+          </a:fontRef>
+        </p:style>
+        <p:txBody>
+          <a:bodyPr rtlCol="0" anchor="ctr"/>
+          <a:lstStyle/>
+          <a:p>
+            <a:pPr algn="ctr"/>
+            <a:endParaRPr lang="en-US"/>
+          </a:p>
+        </p:txBody>
+      </p:sp>
+      <p:pic>
+        <p:nvPicPr>
+          <p:cNvPr id="16" name="Picture 15">
+            <a:extLst>
+              <a:ext uri="{FF2B5EF4-FFF2-40B4-BE49-F238E27FC236}">
+                <a16:creationId xmlns:a16="http://schemas.microsoft.com/office/drawing/2014/main" id="{C591E974-990D-4191-335D-36068BA0110D}"/>
+              </a:ext>
+            </a:extLst>
+          </p:cNvPr>
+          <p:cNvPicPr>
+            <a:picLocks noChangeAspect="1"/>
+          </p:cNvPicPr>
+          <p:nvPr/>
+        </p:nvPicPr>
+        <p:blipFill>
+          <a:blip r:embed="rId5"/>
+          <a:stretch>
+            <a:fillRect/>
+          </a:stretch>
+        </p:blipFill>
+        <p:spPr>
+          <a:xfrm>
+            <a:off x="5741058" y="2539531"/>
+            <a:ext cx="2971822" cy="2452705"/>
+          </a:xfrm>
+          <a:prstGeom prst="rect">
+            <a:avLst/>
+          </a:prstGeom>
+        </p:spPr>
+      </p:pic>
+      <p:cxnSp>
+        <p:nvCxnSpPr>
+          <p:cNvPr id="18" name="Straight Arrow Connector 17">
+            <a:extLst>
+              <a:ext uri="{FF2B5EF4-FFF2-40B4-BE49-F238E27FC236}">
+                <a16:creationId xmlns:a16="http://schemas.microsoft.com/office/drawing/2014/main" id="{3B410398-E31F-1B5A-B5C0-2D86CF875106}"/>
+              </a:ext>
+            </a:extLst>
+          </p:cNvPr>
+          <p:cNvCxnSpPr>
+            <a:cxnSpLocks/>
+          </p:cNvCxnSpPr>
+          <p:nvPr/>
+        </p:nvCxnSpPr>
+        <p:spPr>
+          <a:xfrm flipH="1">
+            <a:off x="8181474" y="3410953"/>
+            <a:ext cx="643689" cy="0"/>
+          </a:xfrm>
+          <a:prstGeom prst="straightConnector1">
+            <a:avLst/>
+          </a:prstGeom>
+          <a:ln>
+            <a:solidFill>
+              <a:srgbClr val="C00000"/>
+            </a:solidFill>
+            <a:tailEnd type="triangle"/>
+          </a:ln>
+        </p:spPr>
+        <p:style>
+          <a:lnRef idx="1">
+            <a:schemeClr val="accent1"/>
+          </a:lnRef>
+          <a:fillRef idx="0">
+            <a:schemeClr val="accent1"/>
+          </a:fillRef>
+          <a:effectRef idx="0">
+            <a:schemeClr val="accent1"/>
+          </a:effectRef>
+          <a:fontRef idx="minor">
+            <a:schemeClr val="tx1"/>
+          </a:fontRef>
+        </p:style>
+      </p:cxnSp>
+      <p:sp>
+        <p:nvSpPr>
+          <p:cNvPr id="20" name="TextBox 19">
+            <a:extLst>
+              <a:ext uri="{FF2B5EF4-FFF2-40B4-BE49-F238E27FC236}">
+                <a16:creationId xmlns:a16="http://schemas.microsoft.com/office/drawing/2014/main" id="{1FA0BFF9-7AAE-4780-3930-70A9041BD70E}"/>
+              </a:ext>
+            </a:extLst>
+          </p:cNvPr>
+          <p:cNvSpPr txBox="1"/>
+          <p:nvPr/>
+        </p:nvSpPr>
+        <p:spPr>
+          <a:xfrm>
+            <a:off x="8825163" y="3256841"/>
+            <a:ext cx="1123610" cy="246221"/>
+          </a:xfrm>
+          <a:prstGeom prst="rect">
+            <a:avLst/>
+          </a:prstGeom>
+          <a:noFill/>
+        </p:spPr>
+        <p:txBody>
+          <a:bodyPr wrap="square" rtlCol="0">
+            <a:spAutoFit/>
+          </a:bodyPr>
+          <a:lstStyle/>
+          <a:p>
+            <a:r>
+              <a:rPr lang="en-US" sz="1000" dirty="0"/>
+              <a:t>OpenAI Key</a:t>
+            </a:r>
+          </a:p>
+        </p:txBody>
+      </p:sp>
+      <p:cxnSp>
+        <p:nvCxnSpPr>
+          <p:cNvPr id="21" name="Straight Arrow Connector 20">
+            <a:extLst>
+              <a:ext uri="{FF2B5EF4-FFF2-40B4-BE49-F238E27FC236}">
+                <a16:creationId xmlns:a16="http://schemas.microsoft.com/office/drawing/2014/main" id="{665E782B-334C-7C77-92C6-85537DDE51B0}"/>
+              </a:ext>
+            </a:extLst>
+          </p:cNvPr>
+          <p:cNvCxnSpPr>
+            <a:cxnSpLocks/>
+          </p:cNvCxnSpPr>
+          <p:nvPr/>
+        </p:nvCxnSpPr>
+        <p:spPr>
+          <a:xfrm flipH="1">
+            <a:off x="8267700" y="3027947"/>
+            <a:ext cx="643689" cy="0"/>
+          </a:xfrm>
+          <a:prstGeom prst="straightConnector1">
+            <a:avLst/>
+          </a:prstGeom>
+          <a:ln>
+            <a:solidFill>
+              <a:srgbClr val="C00000"/>
+            </a:solidFill>
+            <a:tailEnd type="triangle"/>
+          </a:ln>
+        </p:spPr>
+        <p:style>
+          <a:lnRef idx="1">
+            <a:schemeClr val="accent1"/>
+          </a:lnRef>
+          <a:fillRef idx="0">
+            <a:schemeClr val="accent1"/>
+          </a:fillRef>
+          <a:effectRef idx="0">
+            <a:schemeClr val="accent1"/>
+          </a:effectRef>
+          <a:fontRef idx="minor">
+            <a:schemeClr val="tx1"/>
+          </a:fontRef>
+        </p:style>
+      </p:cxnSp>
+      <p:sp>
+        <p:nvSpPr>
+          <p:cNvPr id="22" name="TextBox 21">
+            <a:extLst>
+              <a:ext uri="{FF2B5EF4-FFF2-40B4-BE49-F238E27FC236}">
+                <a16:creationId xmlns:a16="http://schemas.microsoft.com/office/drawing/2014/main" id="{DCD3246D-062F-55C3-441B-15E891CE7201}"/>
+              </a:ext>
+            </a:extLst>
+          </p:cNvPr>
+          <p:cNvSpPr txBox="1"/>
+          <p:nvPr/>
+        </p:nvSpPr>
+        <p:spPr>
+          <a:xfrm>
+            <a:off x="8911389" y="2915896"/>
+            <a:ext cx="1123610" cy="246221"/>
+          </a:xfrm>
+          <a:prstGeom prst="rect">
+            <a:avLst/>
+          </a:prstGeom>
+          <a:noFill/>
+        </p:spPr>
+        <p:txBody>
+          <a:bodyPr wrap="square" rtlCol="0">
+            <a:spAutoFit/>
+          </a:bodyPr>
+          <a:lstStyle/>
+          <a:p>
+            <a:r>
+              <a:rPr lang="en-US" sz="1000" dirty="0"/>
+              <a:t>OpenAI End Point</a:t>
+            </a:r>
+          </a:p>
+        </p:txBody>
+      </p:sp>
+    </p:spTree>
+    <p:extLst>
+      <p:ext uri="{BB962C8B-B14F-4D97-AF65-F5344CB8AC3E}">
+        <p14:creationId xmlns:p14="http://schemas.microsoft.com/office/powerpoint/2010/main" val="2567072238"/>
+      </p:ext>
+    </p:extLst>
+  </p:cSld>
+  <p:clrMapOvr>
+    <a:masterClrMapping/>
+  </p:clrMapOvr>
+</p:sld>
+</file>
+
+<file path=ppt/slides/slide4.xml><?xml version="1.0" encoding="utf-8"?>
+<p:sld xmlns:a="http://schemas.openxmlformats.org/drawingml/2006/main" xmlns:r="http://schemas.openxmlformats.org/officeDocument/2006/relationships" xmlns:p="http://schemas.openxmlformats.org/presentationml/2006/main">
+  <p:cSld>
+    <p:spTree>
+      <p:nvGrpSpPr>
+        <p:cNvPr id="1" name=""/>
+        <p:cNvGrpSpPr/>
+        <p:nvPr/>
+      </p:nvGrpSpPr>
+      <p:grpSpPr>
+        <a:xfrm>
+          <a:off x="0" y="0"/>
+          <a:ext cx="0" cy="0"/>
+          <a:chOff x="0" y="0"/>
+          <a:chExt cx="0" cy="0"/>
+        </a:xfrm>
+      </p:grpSpPr>
+      <p:pic>
+        <p:nvPicPr>
+          <p:cNvPr id="3" name="Picture 2">
+            <a:extLst>
+              <a:ext uri="{FF2B5EF4-FFF2-40B4-BE49-F238E27FC236}">
+                <a16:creationId xmlns:a16="http://schemas.microsoft.com/office/drawing/2014/main" id="{E1C6A2BF-20FC-0706-D596-8A00D609F6D0}"/>
+              </a:ext>
+            </a:extLst>
+          </p:cNvPr>
+          <p:cNvPicPr>
+            <a:picLocks noChangeAspect="1"/>
+          </p:cNvPicPr>
+          <p:nvPr/>
+        </p:nvPicPr>
+        <p:blipFill>
+          <a:blip r:embed="rId2"/>
+          <a:stretch>
+            <a:fillRect/>
+          </a:stretch>
+        </p:blipFill>
+        <p:spPr>
+          <a:xfrm>
+            <a:off x="1063056" y="1211305"/>
+            <a:ext cx="3214711" cy="1419235"/>
+          </a:xfrm>
+          <a:prstGeom prst="rect">
+            <a:avLst/>
+          </a:prstGeom>
+        </p:spPr>
+      </p:pic>
+      <p:cxnSp>
+        <p:nvCxnSpPr>
+          <p:cNvPr id="5" name="Straight Arrow Connector 4">
+            <a:extLst>
+              <a:ext uri="{FF2B5EF4-FFF2-40B4-BE49-F238E27FC236}">
+                <a16:creationId xmlns:a16="http://schemas.microsoft.com/office/drawing/2014/main" id="{0C7ACE43-FD05-28F6-105D-F16DD65AB012}"/>
+              </a:ext>
+            </a:extLst>
+          </p:cNvPr>
+          <p:cNvCxnSpPr/>
+          <p:nvPr/>
+        </p:nvCxnSpPr>
+        <p:spPr>
+          <a:xfrm flipV="1">
+            <a:off x="1744041" y="2433342"/>
+            <a:ext cx="416256" cy="259307"/>
+          </a:xfrm>
+          <a:prstGeom prst="straightConnector1">
+            <a:avLst/>
+          </a:prstGeom>
+          <a:ln>
+            <a:solidFill>
+              <a:srgbClr val="C00000"/>
+            </a:solidFill>
+            <a:tailEnd type="triangle"/>
+          </a:ln>
+        </p:spPr>
+        <p:style>
+          <a:lnRef idx="1">
+            <a:schemeClr val="accent1"/>
+          </a:lnRef>
+          <a:fillRef idx="0">
+            <a:schemeClr val="accent1"/>
+          </a:fillRef>
+          <a:effectRef idx="0">
+            <a:schemeClr val="accent1"/>
+          </a:effectRef>
+          <a:fontRef idx="minor">
+            <a:schemeClr val="tx1"/>
+          </a:fontRef>
+        </p:style>
+      </p:cxnSp>
+      <p:pic>
+        <p:nvPicPr>
+          <p:cNvPr id="7" name="Picture 6">
+            <a:extLst>
+              <a:ext uri="{FF2B5EF4-FFF2-40B4-BE49-F238E27FC236}">
+                <a16:creationId xmlns:a16="http://schemas.microsoft.com/office/drawing/2014/main" id="{8BE9D0AD-B5F9-145D-1F0A-6F9EA6358127}"/>
+              </a:ext>
+            </a:extLst>
+          </p:cNvPr>
+          <p:cNvPicPr>
+            <a:picLocks noChangeAspect="1"/>
+          </p:cNvPicPr>
+          <p:nvPr/>
+        </p:nvPicPr>
+        <p:blipFill>
+          <a:blip r:embed="rId3"/>
+          <a:stretch>
+            <a:fillRect/>
+          </a:stretch>
+        </p:blipFill>
+        <p:spPr>
+          <a:xfrm>
+            <a:off x="5073677" y="1456060"/>
+            <a:ext cx="3729065" cy="3248049"/>
+          </a:xfrm>
+          <a:prstGeom prst="rect">
+            <a:avLst/>
+          </a:prstGeom>
+        </p:spPr>
+      </p:pic>
+      <p:sp>
+        <p:nvSpPr>
+          <p:cNvPr id="8" name="Oval 7">
+            <a:extLst>
+              <a:ext uri="{FF2B5EF4-FFF2-40B4-BE49-F238E27FC236}">
+                <a16:creationId xmlns:a16="http://schemas.microsoft.com/office/drawing/2014/main" id="{D1CE4BFB-6822-609E-C795-57A026074ADE}"/>
+              </a:ext>
+            </a:extLst>
+          </p:cNvPr>
+          <p:cNvSpPr/>
+          <p:nvPr/>
+        </p:nvSpPr>
+        <p:spPr>
+          <a:xfrm>
+            <a:off x="5715000" y="3699711"/>
+            <a:ext cx="240632" cy="144378"/>
+          </a:xfrm>
+          <a:prstGeom prst="ellipse">
+            <a:avLst/>
+          </a:prstGeom>
+          <a:noFill/>
+          <a:ln>
+            <a:solidFill>
+              <a:srgbClr val="C00000"/>
+            </a:solidFill>
+          </a:ln>
+        </p:spPr>
+        <p:style>
+          <a:lnRef idx="2">
+            <a:schemeClr val="accent1">
+              <a:shade val="15000"/>
+            </a:schemeClr>
+          </a:lnRef>
+          <a:fillRef idx="1">
+            <a:schemeClr val="accent1"/>
+          </a:fillRef>
+          <a:effectRef idx="0">
+            <a:schemeClr val="accent1"/>
+          </a:effectRef>
+          <a:fontRef idx="minor">
+            <a:schemeClr val="lt1"/>
+          </a:fontRef>
+        </p:style>
+        <p:txBody>
+          <a:bodyPr rtlCol="0" anchor="ctr"/>
+          <a:lstStyle/>
+          <a:p>
+            <a:pPr algn="ctr"/>
+            <a:endParaRPr lang="en-US"/>
+          </a:p>
+        </p:txBody>
+      </p:sp>
+      <p:cxnSp>
+        <p:nvCxnSpPr>
+          <p:cNvPr id="10" name="Straight Arrow Connector 9">
+            <a:extLst>
+              <a:ext uri="{FF2B5EF4-FFF2-40B4-BE49-F238E27FC236}">
+                <a16:creationId xmlns:a16="http://schemas.microsoft.com/office/drawing/2014/main" id="{465AB9BA-9D8F-3165-10D7-91061BAA524D}"/>
+              </a:ext>
+            </a:extLst>
+          </p:cNvPr>
+          <p:cNvCxnSpPr/>
+          <p:nvPr/>
+        </p:nvCxnSpPr>
+        <p:spPr>
+          <a:xfrm flipH="1" flipV="1">
+            <a:off x="5715000" y="4018547"/>
+            <a:ext cx="288758" cy="192506"/>
+          </a:xfrm>
+          <a:prstGeom prst="straightConnector1">
+            <a:avLst/>
+          </a:prstGeom>
+          <a:ln>
+            <a:solidFill>
+              <a:srgbClr val="C00000"/>
+            </a:solidFill>
+            <a:tailEnd type="triangle"/>
+          </a:ln>
+        </p:spPr>
+        <p:style>
+          <a:lnRef idx="1">
+            <a:schemeClr val="accent1"/>
+          </a:lnRef>
+          <a:fillRef idx="0">
+            <a:schemeClr val="accent1"/>
+          </a:fillRef>
+          <a:effectRef idx="0">
+            <a:schemeClr val="accent1"/>
+          </a:effectRef>
+          <a:fontRef idx="minor">
+            <a:schemeClr val="tx1"/>
+          </a:fontRef>
+        </p:style>
+      </p:cxnSp>
+      <p:sp>
+        <p:nvSpPr>
+          <p:cNvPr id="11" name="Rectangle 10">
+            <a:extLst>
+              <a:ext uri="{FF2B5EF4-FFF2-40B4-BE49-F238E27FC236}">
+                <a16:creationId xmlns:a16="http://schemas.microsoft.com/office/drawing/2014/main" id="{7DB432AA-AB48-40A8-9AD0-2A1AA0A6CB8E}"/>
+              </a:ext>
+            </a:extLst>
+          </p:cNvPr>
+          <p:cNvSpPr/>
+          <p:nvPr/>
+        </p:nvSpPr>
+        <p:spPr>
+          <a:xfrm>
+            <a:off x="6003758" y="3910263"/>
+            <a:ext cx="641323" cy="54142"/>
+          </a:xfrm>
+          <a:prstGeom prst="rect">
+            <a:avLst/>
+          </a:prstGeom>
+          <a:solidFill>
+            <a:srgbClr val="C00000"/>
+          </a:solidFill>
+          <a:ln>
+            <a:solidFill>
+              <a:srgbClr val="C00000"/>
+            </a:solidFill>
+          </a:ln>
+        </p:spPr>
+        <p:style>
+          <a:lnRef idx="2">
+            <a:schemeClr val="accent1">
+              <a:shade val="15000"/>
+            </a:schemeClr>
+          </a:lnRef>
+          <a:fillRef idx="1">
+            <a:schemeClr val="accent1"/>
+          </a:fillRef>
+          <a:effectRef idx="0">
+            <a:schemeClr val="accent1"/>
+          </a:effectRef>
+          <a:fontRef idx="minor">
+            <a:schemeClr val="lt1"/>
+          </a:fontRef>
+        </p:style>
+        <p:txBody>
+          <a:bodyPr rtlCol="0" anchor="ctr"/>
+          <a:lstStyle/>
+          <a:p>
+            <a:pPr algn="ctr"/>
+            <a:endParaRPr lang="en-US"/>
+          </a:p>
+        </p:txBody>
+      </p:sp>
+    </p:spTree>
+    <p:extLst>
+      <p:ext uri="{BB962C8B-B14F-4D97-AF65-F5344CB8AC3E}">
+        <p14:creationId xmlns:p14="http://schemas.microsoft.com/office/powerpoint/2010/main" val="1173249518"/>
+      </p:ext>
+    </p:extLst>
+  </p:cSld>
+  <p:clrMapOvr>
+    <a:masterClrMapping/>
+  </p:clrMapOvr>
+</p:sld>
+</file>
+
 <file path=ppt/theme/theme1.xml><?xml version="1.0" encoding="utf-8"?>
 <a:theme xmlns:a="http://schemas.openxmlformats.org/drawingml/2006/main" name="Office Theme">
   <a:themeElements>

--- a/assets.pptx
+++ b/assets.pptx
@@ -9,6 +9,7 @@
     <p:sldId id="257" r:id="rId3"/>
     <p:sldId id="258" r:id="rId4"/>
     <p:sldId id="259" r:id="rId5"/>
+    <p:sldId id="260" r:id="rId6"/>
   </p:sldIdLst>
   <p:sldSz cx="12192000" cy="6858000"/>
   <p:notesSz cx="6858000" cy="9144000"/>
@@ -5677,6 +5678,214 @@
 </p:sld>
 </file>
 
+<file path=ppt/slides/slide5.xml><?xml version="1.0" encoding="utf-8"?>
+<p:sld xmlns:a="http://schemas.openxmlformats.org/drawingml/2006/main" xmlns:r="http://schemas.openxmlformats.org/officeDocument/2006/relationships" xmlns:p="http://schemas.openxmlformats.org/presentationml/2006/main">
+  <p:cSld>
+    <p:spTree>
+      <p:nvGrpSpPr>
+        <p:cNvPr id="1" name=""/>
+        <p:cNvGrpSpPr/>
+        <p:nvPr/>
+      </p:nvGrpSpPr>
+      <p:grpSpPr>
+        <a:xfrm>
+          <a:off x="0" y="0"/>
+          <a:ext cx="0" cy="0"/>
+          <a:chOff x="0" y="0"/>
+          <a:chExt cx="0" cy="0"/>
+        </a:xfrm>
+      </p:grpSpPr>
+      <p:pic>
+        <p:nvPicPr>
+          <p:cNvPr id="3" name="Picture 2">
+            <a:extLst>
+              <a:ext uri="{FF2B5EF4-FFF2-40B4-BE49-F238E27FC236}">
+                <a16:creationId xmlns:a16="http://schemas.microsoft.com/office/drawing/2014/main" id="{70B296C8-E744-7E40-98A6-C2450CA89C0F}"/>
+              </a:ext>
+            </a:extLst>
+          </p:cNvPr>
+          <p:cNvPicPr>
+            <a:picLocks noChangeAspect="1"/>
+          </p:cNvPicPr>
+          <p:nvPr/>
+        </p:nvPicPr>
+        <p:blipFill>
+          <a:blip r:embed="rId2"/>
+          <a:stretch>
+            <a:fillRect/>
+          </a:stretch>
+        </p:blipFill>
+        <p:spPr>
+          <a:xfrm>
+            <a:off x="2065865" y="1822077"/>
+            <a:ext cx="4314857" cy="2347930"/>
+          </a:xfrm>
+          <a:prstGeom prst="rect">
+            <a:avLst/>
+          </a:prstGeom>
+        </p:spPr>
+      </p:pic>
+      <p:sp>
+        <p:nvSpPr>
+          <p:cNvPr id="4" name="Oval 3">
+            <a:extLst>
+              <a:ext uri="{FF2B5EF4-FFF2-40B4-BE49-F238E27FC236}">
+                <a16:creationId xmlns:a16="http://schemas.microsoft.com/office/drawing/2014/main" id="{C594D7F3-E28B-FE96-FD27-916A00E46258}"/>
+              </a:ext>
+            </a:extLst>
+          </p:cNvPr>
+          <p:cNvSpPr/>
+          <p:nvPr/>
+        </p:nvSpPr>
+        <p:spPr>
+          <a:xfrm>
+            <a:off x="3397155" y="3292553"/>
+            <a:ext cx="240632" cy="144378"/>
+          </a:xfrm>
+          <a:prstGeom prst="ellipse">
+            <a:avLst/>
+          </a:prstGeom>
+          <a:noFill/>
+          <a:ln>
+            <a:solidFill>
+              <a:srgbClr val="C00000"/>
+            </a:solidFill>
+          </a:ln>
+        </p:spPr>
+        <p:style>
+          <a:lnRef idx="2">
+            <a:schemeClr val="accent1">
+              <a:shade val="15000"/>
+            </a:schemeClr>
+          </a:lnRef>
+          <a:fillRef idx="1">
+            <a:schemeClr val="accent1"/>
+          </a:fillRef>
+          <a:effectRef idx="0">
+            <a:schemeClr val="accent1"/>
+          </a:effectRef>
+          <a:fontRef idx="minor">
+            <a:schemeClr val="lt1"/>
+          </a:fontRef>
+        </p:style>
+        <p:txBody>
+          <a:bodyPr rtlCol="0" anchor="ctr"/>
+          <a:lstStyle/>
+          <a:p>
+            <a:pPr algn="ctr"/>
+            <a:endParaRPr lang="en-US"/>
+          </a:p>
+        </p:txBody>
+      </p:sp>
+      <p:cxnSp>
+        <p:nvCxnSpPr>
+          <p:cNvPr id="5" name="Straight Arrow Connector 4">
+            <a:extLst>
+              <a:ext uri="{FF2B5EF4-FFF2-40B4-BE49-F238E27FC236}">
+                <a16:creationId xmlns:a16="http://schemas.microsoft.com/office/drawing/2014/main" id="{B09221AA-6CEE-771C-683A-96B63E356E3E}"/>
+              </a:ext>
+            </a:extLst>
+          </p:cNvPr>
+          <p:cNvCxnSpPr/>
+          <p:nvPr/>
+        </p:nvCxnSpPr>
+        <p:spPr>
+          <a:xfrm flipH="1" flipV="1">
+            <a:off x="3397155" y="3611389"/>
+            <a:ext cx="288758" cy="192506"/>
+          </a:xfrm>
+          <a:prstGeom prst="straightConnector1">
+            <a:avLst/>
+          </a:prstGeom>
+          <a:ln>
+            <a:solidFill>
+              <a:srgbClr val="C00000"/>
+            </a:solidFill>
+            <a:tailEnd type="triangle"/>
+          </a:ln>
+        </p:spPr>
+        <p:style>
+          <a:lnRef idx="1">
+            <a:schemeClr val="accent1"/>
+          </a:lnRef>
+          <a:fillRef idx="0">
+            <a:schemeClr val="accent1"/>
+          </a:fillRef>
+          <a:effectRef idx="0">
+            <a:schemeClr val="accent1"/>
+          </a:effectRef>
+          <a:fontRef idx="minor">
+            <a:schemeClr val="tx1"/>
+          </a:fontRef>
+        </p:style>
+      </p:cxnSp>
+      <p:sp>
+        <p:nvSpPr>
+          <p:cNvPr id="6" name="Rectangle 5">
+            <a:extLst>
+              <a:ext uri="{FF2B5EF4-FFF2-40B4-BE49-F238E27FC236}">
+                <a16:creationId xmlns:a16="http://schemas.microsoft.com/office/drawing/2014/main" id="{98F8A83B-D0E8-3461-8B05-DF2AE8B7B741}"/>
+              </a:ext>
+            </a:extLst>
+          </p:cNvPr>
+          <p:cNvSpPr/>
+          <p:nvPr/>
+        </p:nvSpPr>
+        <p:spPr>
+          <a:xfrm>
+            <a:off x="3685913" y="3503105"/>
+            <a:ext cx="641323" cy="54142"/>
+          </a:xfrm>
+          <a:prstGeom prst="rect">
+            <a:avLst/>
+          </a:prstGeom>
+          <a:solidFill>
+            <a:srgbClr val="C00000"/>
+          </a:solidFill>
+          <a:ln>
+            <a:solidFill>
+              <a:srgbClr val="C00000"/>
+            </a:solidFill>
+          </a:ln>
+        </p:spPr>
+        <p:style>
+          <a:lnRef idx="2">
+            <a:schemeClr val="accent1">
+              <a:shade val="15000"/>
+            </a:schemeClr>
+          </a:lnRef>
+          <a:fillRef idx="1">
+            <a:schemeClr val="accent1"/>
+          </a:fillRef>
+          <a:effectRef idx="0">
+            <a:schemeClr val="accent1"/>
+          </a:effectRef>
+          <a:fontRef idx="minor">
+            <a:schemeClr val="lt1"/>
+          </a:fontRef>
+        </p:style>
+        <p:txBody>
+          <a:bodyPr rtlCol="0" anchor="ctr"/>
+          <a:lstStyle/>
+          <a:p>
+            <a:pPr algn="ctr"/>
+            <a:endParaRPr lang="en-US"/>
+          </a:p>
+        </p:txBody>
+      </p:sp>
+    </p:spTree>
+    <p:extLst>
+      <p:ext uri="{BB962C8B-B14F-4D97-AF65-F5344CB8AC3E}">
+        <p14:creationId xmlns:p14="http://schemas.microsoft.com/office/powerpoint/2010/main" val="4287589660"/>
+      </p:ext>
+    </p:extLst>
+  </p:cSld>
+  <p:clrMapOvr>
+    <a:masterClrMapping/>
+  </p:clrMapOvr>
+</p:sld>
+</file>
+
 <file path=ppt/theme/theme1.xml><?xml version="1.0" encoding="utf-8"?>
 <a:theme xmlns:a="http://schemas.openxmlformats.org/drawingml/2006/main" name="Office Theme">
   <a:themeElements>

--- a/assets.pptx
+++ b/assets.pptx
@@ -10,6 +10,8 @@
     <p:sldId id="258" r:id="rId4"/>
     <p:sldId id="259" r:id="rId5"/>
     <p:sldId id="260" r:id="rId6"/>
+    <p:sldId id="261" r:id="rId7"/>
+    <p:sldId id="262" r:id="rId8"/>
   </p:sldIdLst>
   <p:sldSz cx="12192000" cy="6858000"/>
   <p:notesSz cx="6858000" cy="9144000"/>
@@ -263,7 +265,7 @@
           <a:p>
             <a:fld id="{E6CF916D-525A-4BF4-9D42-156FD815F44E}" type="datetimeFigureOut">
               <a:rPr lang="en-US" smtClean="0"/>
-              <a:t>6/5/2023</a:t>
+              <a:t>6/7/2023</a:t>
             </a:fld>
             <a:endParaRPr lang="en-US"/>
           </a:p>
@@ -461,7 +463,7 @@
           <a:p>
             <a:fld id="{E6CF916D-525A-4BF4-9D42-156FD815F44E}" type="datetimeFigureOut">
               <a:rPr lang="en-US" smtClean="0"/>
-              <a:t>6/5/2023</a:t>
+              <a:t>6/7/2023</a:t>
             </a:fld>
             <a:endParaRPr lang="en-US"/>
           </a:p>
@@ -669,7 +671,7 @@
           <a:p>
             <a:fld id="{E6CF916D-525A-4BF4-9D42-156FD815F44E}" type="datetimeFigureOut">
               <a:rPr lang="en-US" smtClean="0"/>
-              <a:t>6/5/2023</a:t>
+              <a:t>6/7/2023</a:t>
             </a:fld>
             <a:endParaRPr lang="en-US"/>
           </a:p>
@@ -867,7 +869,7 @@
           <a:p>
             <a:fld id="{E6CF916D-525A-4BF4-9D42-156FD815F44E}" type="datetimeFigureOut">
               <a:rPr lang="en-US" smtClean="0"/>
-              <a:t>6/5/2023</a:t>
+              <a:t>6/7/2023</a:t>
             </a:fld>
             <a:endParaRPr lang="en-US"/>
           </a:p>
@@ -1142,7 +1144,7 @@
           <a:p>
             <a:fld id="{E6CF916D-525A-4BF4-9D42-156FD815F44E}" type="datetimeFigureOut">
               <a:rPr lang="en-US" smtClean="0"/>
-              <a:t>6/5/2023</a:t>
+              <a:t>6/7/2023</a:t>
             </a:fld>
             <a:endParaRPr lang="en-US"/>
           </a:p>
@@ -1407,7 +1409,7 @@
           <a:p>
             <a:fld id="{E6CF916D-525A-4BF4-9D42-156FD815F44E}" type="datetimeFigureOut">
               <a:rPr lang="en-US" smtClean="0"/>
-              <a:t>6/5/2023</a:t>
+              <a:t>6/7/2023</a:t>
             </a:fld>
             <a:endParaRPr lang="en-US"/>
           </a:p>
@@ -1819,7 +1821,7 @@
           <a:p>
             <a:fld id="{E6CF916D-525A-4BF4-9D42-156FD815F44E}" type="datetimeFigureOut">
               <a:rPr lang="en-US" smtClean="0"/>
-              <a:t>6/5/2023</a:t>
+              <a:t>6/7/2023</a:t>
             </a:fld>
             <a:endParaRPr lang="en-US"/>
           </a:p>
@@ -1960,7 +1962,7 @@
           <a:p>
             <a:fld id="{E6CF916D-525A-4BF4-9D42-156FD815F44E}" type="datetimeFigureOut">
               <a:rPr lang="en-US" smtClean="0"/>
-              <a:t>6/5/2023</a:t>
+              <a:t>6/7/2023</a:t>
             </a:fld>
             <a:endParaRPr lang="en-US"/>
           </a:p>
@@ -2073,7 +2075,7 @@
           <a:p>
             <a:fld id="{E6CF916D-525A-4BF4-9D42-156FD815F44E}" type="datetimeFigureOut">
               <a:rPr lang="en-US" smtClean="0"/>
-              <a:t>6/5/2023</a:t>
+              <a:t>6/7/2023</a:t>
             </a:fld>
             <a:endParaRPr lang="en-US"/>
           </a:p>
@@ -2384,7 +2386,7 @@
           <a:p>
             <a:fld id="{E6CF916D-525A-4BF4-9D42-156FD815F44E}" type="datetimeFigureOut">
               <a:rPr lang="en-US" smtClean="0"/>
-              <a:t>6/5/2023</a:t>
+              <a:t>6/7/2023</a:t>
             </a:fld>
             <a:endParaRPr lang="en-US"/>
           </a:p>
@@ -2672,7 +2674,7 @@
           <a:p>
             <a:fld id="{E6CF916D-525A-4BF4-9D42-156FD815F44E}" type="datetimeFigureOut">
               <a:rPr lang="en-US" smtClean="0"/>
-              <a:t>6/5/2023</a:t>
+              <a:t>6/7/2023</a:t>
             </a:fld>
             <a:endParaRPr lang="en-US"/>
           </a:p>
@@ -2913,7 +2915,7 @@
           <a:p>
             <a:fld id="{E6CF916D-525A-4BF4-9D42-156FD815F44E}" type="datetimeFigureOut">
               <a:rPr lang="en-US" smtClean="0"/>
-              <a:t>6/5/2023</a:t>
+              <a:t>6/7/2023</a:t>
             </a:fld>
             <a:endParaRPr lang="en-US"/>
           </a:p>
@@ -5886,6 +5888,455 @@
 </p:sld>
 </file>
 
+<file path=ppt/slides/slide6.xml><?xml version="1.0" encoding="utf-8"?>
+<p:sld xmlns:a="http://schemas.openxmlformats.org/drawingml/2006/main" xmlns:r="http://schemas.openxmlformats.org/officeDocument/2006/relationships" xmlns:p="http://schemas.openxmlformats.org/presentationml/2006/main">
+  <p:cSld>
+    <p:spTree>
+      <p:nvGrpSpPr>
+        <p:cNvPr id="1" name=""/>
+        <p:cNvGrpSpPr/>
+        <p:nvPr/>
+      </p:nvGrpSpPr>
+      <p:grpSpPr>
+        <a:xfrm>
+          <a:off x="0" y="0"/>
+          <a:ext cx="0" cy="0"/>
+          <a:chOff x="0" y="0"/>
+          <a:chExt cx="0" cy="0"/>
+        </a:xfrm>
+      </p:grpSpPr>
+      <p:pic>
+        <p:nvPicPr>
+          <p:cNvPr id="3" name="Graphic 2" descr="Internet outline">
+            <a:extLst>
+              <a:ext uri="{FF2B5EF4-FFF2-40B4-BE49-F238E27FC236}">
+                <a16:creationId xmlns:a16="http://schemas.microsoft.com/office/drawing/2014/main" id="{46B4982B-0663-37AF-0E17-674F8F174370}"/>
+              </a:ext>
+            </a:extLst>
+          </p:cNvPr>
+          <p:cNvPicPr>
+            <a:picLocks noChangeAspect="1"/>
+          </p:cNvPicPr>
+          <p:nvPr/>
+        </p:nvPicPr>
+        <p:blipFill>
+          <a:blip r:embed="rId2">
+            <a:extLst>
+              <a:ext uri="{28A0092B-C50C-407E-A947-70E740481C1C}">
+                <a14:useLocalDpi xmlns:a14="http://schemas.microsoft.com/office/drawing/2010/main" val="0"/>
+              </a:ext>
+              <a:ext uri="{96DAC541-7B7A-43D3-8B79-37D633B846F1}">
+                <asvg:svgBlip xmlns:asvg="http://schemas.microsoft.com/office/drawing/2016/SVG/main" r:embed="rId3"/>
+              </a:ext>
+            </a:extLst>
+          </a:blip>
+          <a:stretch>
+            <a:fillRect/>
+          </a:stretch>
+        </p:blipFill>
+        <p:spPr>
+          <a:xfrm>
+            <a:off x="1653653" y="1286301"/>
+            <a:ext cx="914400" cy="914400"/>
+          </a:xfrm>
+          <a:prstGeom prst="rect">
+            <a:avLst/>
+          </a:prstGeom>
+        </p:spPr>
+      </p:pic>
+      <p:pic>
+        <p:nvPicPr>
+          <p:cNvPr id="5" name="Graphic 4" descr="Database with solid fill">
+            <a:extLst>
+              <a:ext uri="{FF2B5EF4-FFF2-40B4-BE49-F238E27FC236}">
+                <a16:creationId xmlns:a16="http://schemas.microsoft.com/office/drawing/2014/main" id="{01774E0F-17CC-FDC0-72DA-04C3A977C4A1}"/>
+              </a:ext>
+            </a:extLst>
+          </p:cNvPr>
+          <p:cNvPicPr>
+            <a:picLocks noChangeAspect="1"/>
+          </p:cNvPicPr>
+          <p:nvPr/>
+        </p:nvPicPr>
+        <p:blipFill>
+          <a:blip r:embed="rId4">
+            <a:extLst>
+              <a:ext uri="{28A0092B-C50C-407E-A947-70E740481C1C}">
+                <a14:useLocalDpi xmlns:a14="http://schemas.microsoft.com/office/drawing/2010/main" val="0"/>
+              </a:ext>
+              <a:ext uri="{96DAC541-7B7A-43D3-8B79-37D633B846F1}">
+                <asvg:svgBlip xmlns:asvg="http://schemas.microsoft.com/office/drawing/2016/SVG/main" r:embed="rId5"/>
+              </a:ext>
+            </a:extLst>
+          </a:blip>
+          <a:stretch>
+            <a:fillRect/>
+          </a:stretch>
+        </p:blipFill>
+        <p:spPr>
+          <a:xfrm>
+            <a:off x="2017720" y="3240447"/>
+            <a:ext cx="524212" cy="524212"/>
+          </a:xfrm>
+          <a:prstGeom prst="rect">
+            <a:avLst/>
+          </a:prstGeom>
+        </p:spPr>
+      </p:pic>
+      <p:pic>
+        <p:nvPicPr>
+          <p:cNvPr id="7" name="Graphic 6" descr="Bar graph with upward trend with solid fill">
+            <a:extLst>
+              <a:ext uri="{FF2B5EF4-FFF2-40B4-BE49-F238E27FC236}">
+                <a16:creationId xmlns:a16="http://schemas.microsoft.com/office/drawing/2014/main" id="{14AF5F32-9304-61F1-70B8-630C42E57D01}"/>
+              </a:ext>
+            </a:extLst>
+          </p:cNvPr>
+          <p:cNvPicPr>
+            <a:picLocks noChangeAspect="1"/>
+          </p:cNvPicPr>
+          <p:nvPr/>
+        </p:nvPicPr>
+        <p:blipFill>
+          <a:blip r:embed="rId6">
+            <a:extLst>
+              <a:ext uri="{28A0092B-C50C-407E-A947-70E740481C1C}">
+                <a14:useLocalDpi xmlns:a14="http://schemas.microsoft.com/office/drawing/2010/main" val="0"/>
+              </a:ext>
+              <a:ext uri="{96DAC541-7B7A-43D3-8B79-37D633B846F1}">
+                <asvg:svgBlip xmlns:asvg="http://schemas.microsoft.com/office/drawing/2016/SVG/main" r:embed="rId7"/>
+              </a:ext>
+            </a:extLst>
+          </a:blip>
+          <a:stretch>
+            <a:fillRect/>
+          </a:stretch>
+        </p:blipFill>
+        <p:spPr>
+          <a:xfrm>
+            <a:off x="4156433" y="2012864"/>
+            <a:ext cx="581914" cy="581914"/>
+          </a:xfrm>
+          <a:prstGeom prst="rect">
+            <a:avLst/>
+          </a:prstGeom>
+        </p:spPr>
+      </p:pic>
+      <p:pic>
+        <p:nvPicPr>
+          <p:cNvPr id="9" name="Graphic 8" descr="Table with solid fill">
+            <a:extLst>
+              <a:ext uri="{FF2B5EF4-FFF2-40B4-BE49-F238E27FC236}">
+                <a16:creationId xmlns:a16="http://schemas.microsoft.com/office/drawing/2014/main" id="{15C00BE9-EAEE-2D61-A4D6-AA2322A68DD7}"/>
+              </a:ext>
+            </a:extLst>
+          </p:cNvPr>
+          <p:cNvPicPr>
+            <a:picLocks noChangeAspect="1"/>
+          </p:cNvPicPr>
+          <p:nvPr/>
+        </p:nvPicPr>
+        <p:blipFill>
+          <a:blip r:embed="rId8">
+            <a:extLst>
+              <a:ext uri="{28A0092B-C50C-407E-A947-70E740481C1C}">
+                <a14:useLocalDpi xmlns:a14="http://schemas.microsoft.com/office/drawing/2010/main" val="0"/>
+              </a:ext>
+              <a:ext uri="{96DAC541-7B7A-43D3-8B79-37D633B846F1}">
+                <asvg:svgBlip xmlns:asvg="http://schemas.microsoft.com/office/drawing/2016/SVG/main" r:embed="rId9"/>
+              </a:ext>
+            </a:extLst>
+          </a:blip>
+          <a:stretch>
+            <a:fillRect/>
+          </a:stretch>
+        </p:blipFill>
+        <p:spPr>
+          <a:xfrm>
+            <a:off x="3653200" y="2157244"/>
+            <a:ext cx="561893" cy="561893"/>
+          </a:xfrm>
+          <a:prstGeom prst="rect">
+            <a:avLst/>
+          </a:prstGeom>
+        </p:spPr>
+      </p:pic>
+      <p:sp>
+        <p:nvSpPr>
+          <p:cNvPr id="10" name="TextBox 9">
+            <a:extLst>
+              <a:ext uri="{FF2B5EF4-FFF2-40B4-BE49-F238E27FC236}">
+                <a16:creationId xmlns:a16="http://schemas.microsoft.com/office/drawing/2014/main" id="{F6FFA04E-DB87-7B26-B3A6-FC53EC095EE8}"/>
+              </a:ext>
+            </a:extLst>
+          </p:cNvPr>
+          <p:cNvSpPr txBox="1"/>
+          <p:nvPr/>
+        </p:nvSpPr>
+        <p:spPr>
+          <a:xfrm>
+            <a:off x="3356811" y="1192969"/>
+            <a:ext cx="2797343" cy="253916"/>
+          </a:xfrm>
+          <a:prstGeom prst="rect">
+            <a:avLst/>
+          </a:prstGeom>
+          <a:noFill/>
+        </p:spPr>
+        <p:txBody>
+          <a:bodyPr wrap="square" rtlCol="0">
+            <a:spAutoFit/>
+          </a:bodyPr>
+          <a:lstStyle/>
+          <a:p>
+            <a:r>
+              <a:rPr lang="en-US" sz="1050" dirty="0"/>
+              <a:t>Top performing students by grade</a:t>
+            </a:r>
+          </a:p>
+        </p:txBody>
+      </p:sp>
+      <p:cxnSp>
+        <p:nvCxnSpPr>
+          <p:cNvPr id="12" name="Straight Arrow Connector 11">
+            <a:extLst>
+              <a:ext uri="{FF2B5EF4-FFF2-40B4-BE49-F238E27FC236}">
+                <a16:creationId xmlns:a16="http://schemas.microsoft.com/office/drawing/2014/main" id="{96AAE3D4-7855-52A1-2C85-DED541035C99}"/>
+              </a:ext>
+            </a:extLst>
+          </p:cNvPr>
+          <p:cNvCxnSpPr>
+            <a:endCxn id="3" idx="3"/>
+          </p:cNvCxnSpPr>
+          <p:nvPr/>
+        </p:nvCxnSpPr>
+        <p:spPr>
+          <a:xfrm flipH="1">
+            <a:off x="2568053" y="1353553"/>
+            <a:ext cx="788758" cy="389948"/>
+          </a:xfrm>
+          <a:prstGeom prst="straightConnector1">
+            <a:avLst/>
+          </a:prstGeom>
+          <a:ln>
+            <a:tailEnd type="triangle"/>
+          </a:ln>
+        </p:spPr>
+        <p:style>
+          <a:lnRef idx="1">
+            <a:schemeClr val="accent1"/>
+          </a:lnRef>
+          <a:fillRef idx="0">
+            <a:schemeClr val="accent1"/>
+          </a:fillRef>
+          <a:effectRef idx="0">
+            <a:schemeClr val="accent1"/>
+          </a:effectRef>
+          <a:fontRef idx="minor">
+            <a:schemeClr val="tx1"/>
+          </a:fontRef>
+        </p:style>
+      </p:cxnSp>
+      <p:cxnSp>
+        <p:nvCxnSpPr>
+          <p:cNvPr id="14" name="Straight Arrow Connector 13">
+            <a:extLst>
+              <a:ext uri="{FF2B5EF4-FFF2-40B4-BE49-F238E27FC236}">
+                <a16:creationId xmlns:a16="http://schemas.microsoft.com/office/drawing/2014/main" id="{C8F9CC40-0876-54BE-0F5A-906881B0956F}"/>
+              </a:ext>
+            </a:extLst>
+          </p:cNvPr>
+          <p:cNvCxnSpPr>
+            <a:cxnSpLocks/>
+          </p:cNvCxnSpPr>
+          <p:nvPr/>
+        </p:nvCxnSpPr>
+        <p:spPr>
+          <a:xfrm flipH="1" flipV="1">
+            <a:off x="2110853" y="2151228"/>
+            <a:ext cx="117578" cy="1039746"/>
+          </a:xfrm>
+          <a:prstGeom prst="straightConnector1">
+            <a:avLst/>
+          </a:prstGeom>
+          <a:ln>
+            <a:headEnd type="triangle" w="med" len="med"/>
+            <a:tailEnd type="triangle" w="med" len="med"/>
+          </a:ln>
+        </p:spPr>
+        <p:style>
+          <a:lnRef idx="1">
+            <a:schemeClr val="accent1"/>
+          </a:lnRef>
+          <a:fillRef idx="0">
+            <a:schemeClr val="accent1"/>
+          </a:fillRef>
+          <a:effectRef idx="0">
+            <a:schemeClr val="accent1"/>
+          </a:effectRef>
+          <a:fontRef idx="minor">
+            <a:schemeClr val="tx1"/>
+          </a:fontRef>
+        </p:style>
+      </p:cxnSp>
+      <p:cxnSp>
+        <p:nvCxnSpPr>
+          <p:cNvPr id="16" name="Straight Arrow Connector 15">
+            <a:extLst>
+              <a:ext uri="{FF2B5EF4-FFF2-40B4-BE49-F238E27FC236}">
+                <a16:creationId xmlns:a16="http://schemas.microsoft.com/office/drawing/2014/main" id="{9F03BC07-64F2-2EBF-BC3E-33A732D529E2}"/>
+              </a:ext>
+            </a:extLst>
+          </p:cNvPr>
+          <p:cNvCxnSpPr>
+            <a:cxnSpLocks/>
+          </p:cNvCxnSpPr>
+          <p:nvPr/>
+        </p:nvCxnSpPr>
+        <p:spPr>
+          <a:xfrm>
+            <a:off x="2568053" y="2074996"/>
+            <a:ext cx="1085147" cy="457651"/>
+          </a:xfrm>
+          <a:prstGeom prst="straightConnector1">
+            <a:avLst/>
+          </a:prstGeom>
+          <a:ln>
+            <a:tailEnd type="triangle"/>
+          </a:ln>
+        </p:spPr>
+        <p:style>
+          <a:lnRef idx="1">
+            <a:schemeClr val="accent1"/>
+          </a:lnRef>
+          <a:fillRef idx="0">
+            <a:schemeClr val="accent1"/>
+          </a:fillRef>
+          <a:effectRef idx="0">
+            <a:schemeClr val="accent1"/>
+          </a:effectRef>
+          <a:fontRef idx="minor">
+            <a:schemeClr val="tx1"/>
+          </a:fontRef>
+        </p:style>
+      </p:cxnSp>
+    </p:spTree>
+    <p:extLst>
+      <p:ext uri="{BB962C8B-B14F-4D97-AF65-F5344CB8AC3E}">
+        <p14:creationId xmlns:p14="http://schemas.microsoft.com/office/powerpoint/2010/main" val="2884557971"/>
+      </p:ext>
+    </p:extLst>
+  </p:cSld>
+  <p:clrMapOvr>
+    <a:masterClrMapping/>
+  </p:clrMapOvr>
+</p:sld>
+</file>
+
+<file path=ppt/slides/slide7.xml><?xml version="1.0" encoding="utf-8"?>
+<p:sld xmlns:a="http://schemas.openxmlformats.org/drawingml/2006/main" xmlns:r="http://schemas.openxmlformats.org/officeDocument/2006/relationships" xmlns:p="http://schemas.openxmlformats.org/presentationml/2006/main">
+  <p:cSld>
+    <p:spTree>
+      <p:nvGrpSpPr>
+        <p:cNvPr id="1" name=""/>
+        <p:cNvGrpSpPr/>
+        <p:nvPr/>
+      </p:nvGrpSpPr>
+      <p:grpSpPr>
+        <a:xfrm>
+          <a:off x="0" y="0"/>
+          <a:ext cx="0" cy="0"/>
+          <a:chOff x="0" y="0"/>
+          <a:chExt cx="0" cy="0"/>
+        </a:xfrm>
+      </p:grpSpPr>
+      <p:pic>
+        <p:nvPicPr>
+          <p:cNvPr id="5" name="Picture 4">
+            <a:extLst>
+              <a:ext uri="{FF2B5EF4-FFF2-40B4-BE49-F238E27FC236}">
+                <a16:creationId xmlns:a16="http://schemas.microsoft.com/office/drawing/2014/main" id="{8E474A56-B556-69DA-DC5C-DC0E0CC4B68D}"/>
+              </a:ext>
+            </a:extLst>
+          </p:cNvPr>
+          <p:cNvPicPr>
+            <a:picLocks noChangeAspect="1"/>
+          </p:cNvPicPr>
+          <p:nvPr/>
+        </p:nvPicPr>
+        <p:blipFill>
+          <a:blip r:embed="rId2"/>
+          <a:stretch>
+            <a:fillRect/>
+          </a:stretch>
+        </p:blipFill>
+        <p:spPr>
+          <a:xfrm>
+            <a:off x="576041" y="448840"/>
+            <a:ext cx="2209816" cy="1947877"/>
+          </a:xfrm>
+          <a:prstGeom prst="rect">
+            <a:avLst/>
+          </a:prstGeom>
+        </p:spPr>
+      </p:pic>
+      <p:cxnSp>
+        <p:nvCxnSpPr>
+          <p:cNvPr id="7" name="Straight Arrow Connector 6">
+            <a:extLst>
+              <a:ext uri="{FF2B5EF4-FFF2-40B4-BE49-F238E27FC236}">
+                <a16:creationId xmlns:a16="http://schemas.microsoft.com/office/drawing/2014/main" id="{8723E2F2-6D34-61C2-A906-8C306B823BA4}"/>
+              </a:ext>
+            </a:extLst>
+          </p:cNvPr>
+          <p:cNvCxnSpPr>
+            <a:cxnSpLocks/>
+          </p:cNvCxnSpPr>
+          <p:nvPr/>
+        </p:nvCxnSpPr>
+        <p:spPr>
+          <a:xfrm flipH="1">
+            <a:off x="2069970" y="2051384"/>
+            <a:ext cx="312283" cy="154794"/>
+          </a:xfrm>
+          <a:prstGeom prst="straightConnector1">
+            <a:avLst/>
+          </a:prstGeom>
+          <a:ln>
+            <a:solidFill>
+              <a:srgbClr val="C00000"/>
+            </a:solidFill>
+            <a:tailEnd type="triangle"/>
+          </a:ln>
+        </p:spPr>
+        <p:style>
+          <a:lnRef idx="1">
+            <a:schemeClr val="accent1"/>
+          </a:lnRef>
+          <a:fillRef idx="0">
+            <a:schemeClr val="accent1"/>
+          </a:fillRef>
+          <a:effectRef idx="0">
+            <a:schemeClr val="accent1"/>
+          </a:effectRef>
+          <a:fontRef idx="minor">
+            <a:schemeClr val="tx1"/>
+          </a:fontRef>
+        </p:style>
+      </p:cxnSp>
+    </p:spTree>
+    <p:extLst>
+      <p:ext uri="{BB962C8B-B14F-4D97-AF65-F5344CB8AC3E}">
+        <p14:creationId xmlns:p14="http://schemas.microsoft.com/office/powerpoint/2010/main" val="3144239326"/>
+      </p:ext>
+    </p:extLst>
+  </p:cSld>
+  <p:clrMapOvr>
+    <a:masterClrMapping/>
+  </p:clrMapOvr>
+</p:sld>
+</file>
+
 <file path=ppt/theme/theme1.xml><?xml version="1.0" encoding="utf-8"?>
 <a:theme xmlns:a="http://schemas.openxmlformats.org/drawingml/2006/main" name="Office Theme">
   <a:themeElements>
